--- a/Definition_file_exmple.pptx
+++ b/Definition_file_exmple.pptx
@@ -5,8 +5,9 @@
     <p:sldMasterId id="2147483672" r:id="rId4"/>
   </p:sldMasterIdLst>
   <p:sldIdLst>
-    <p:sldId id="256" r:id="rId5"/>
-    <p:sldId id="257" r:id="rId6"/>
+    <p:sldId id="258" r:id="rId5"/>
+    <p:sldId id="256" r:id="rId6"/>
+    <p:sldId id="257" r:id="rId7"/>
   </p:sldIdLst>
   <p:sldSz cx="6858000" cy="9906000" type="A4"/>
   <p:notesSz cx="6858000" cy="9144000"/>
@@ -105,6 +106,11 @@
       </a:defRPr>
     </a:lvl9pPr>
   </p:defaultTextStyle>
+  <p:extLst>
+    <p:ext uri="{EFAFB233-063F-42B5-8137-9DF3F51BA10A}">
+      <p15:sldGuideLst xmlns:p15="http://schemas.microsoft.com/office/powerpoint/2012/main"/>
+    </p:ext>
+  </p:extLst>
 </p:presentation>
 </file>
 
@@ -239,7 +245,7 @@
           <a:p>
             <a:fld id="{6C301211-EBE6-4B7E-A724-3791FD54D0AA}" type="datetimeFigureOut">
               <a:rPr lang="en-GB" smtClean="0"/>
-              <a:t>02/06/2022</a:t>
+              <a:t>03/06/2022</a:t>
             </a:fld>
             <a:endParaRPr lang="en-GB"/>
           </a:p>
@@ -409,7 +415,7 @@
           <a:p>
             <a:fld id="{6C301211-EBE6-4B7E-A724-3791FD54D0AA}" type="datetimeFigureOut">
               <a:rPr lang="en-GB" smtClean="0"/>
-              <a:t>02/06/2022</a:t>
+              <a:t>03/06/2022</a:t>
             </a:fld>
             <a:endParaRPr lang="en-GB"/>
           </a:p>
@@ -589,7 +595,7 @@
           <a:p>
             <a:fld id="{6C301211-EBE6-4B7E-A724-3791FD54D0AA}" type="datetimeFigureOut">
               <a:rPr lang="en-GB" smtClean="0"/>
-              <a:t>02/06/2022</a:t>
+              <a:t>03/06/2022</a:t>
             </a:fld>
             <a:endParaRPr lang="en-GB"/>
           </a:p>
@@ -759,7 +765,7 @@
           <a:p>
             <a:fld id="{6C301211-EBE6-4B7E-A724-3791FD54D0AA}" type="datetimeFigureOut">
               <a:rPr lang="en-GB" smtClean="0"/>
-              <a:t>02/06/2022</a:t>
+              <a:t>03/06/2022</a:t>
             </a:fld>
             <a:endParaRPr lang="en-GB"/>
           </a:p>
@@ -1003,7 +1009,7 @@
           <a:p>
             <a:fld id="{6C301211-EBE6-4B7E-A724-3791FD54D0AA}" type="datetimeFigureOut">
               <a:rPr lang="en-GB" smtClean="0"/>
-              <a:t>02/06/2022</a:t>
+              <a:t>03/06/2022</a:t>
             </a:fld>
             <a:endParaRPr lang="en-GB"/>
           </a:p>
@@ -1235,7 +1241,7 @@
           <a:p>
             <a:fld id="{6C301211-EBE6-4B7E-A724-3791FD54D0AA}" type="datetimeFigureOut">
               <a:rPr lang="en-GB" smtClean="0"/>
-              <a:t>02/06/2022</a:t>
+              <a:t>03/06/2022</a:t>
             </a:fld>
             <a:endParaRPr lang="en-GB"/>
           </a:p>
@@ -1602,7 +1608,7 @@
           <a:p>
             <a:fld id="{6C301211-EBE6-4B7E-A724-3791FD54D0AA}" type="datetimeFigureOut">
               <a:rPr lang="en-GB" smtClean="0"/>
-              <a:t>02/06/2022</a:t>
+              <a:t>03/06/2022</a:t>
             </a:fld>
             <a:endParaRPr lang="en-GB"/>
           </a:p>
@@ -1720,7 +1726,7 @@
           <a:p>
             <a:fld id="{6C301211-EBE6-4B7E-A724-3791FD54D0AA}" type="datetimeFigureOut">
               <a:rPr lang="en-GB" smtClean="0"/>
-              <a:t>02/06/2022</a:t>
+              <a:t>03/06/2022</a:t>
             </a:fld>
             <a:endParaRPr lang="en-GB"/>
           </a:p>
@@ -1815,7 +1821,7 @@
           <a:p>
             <a:fld id="{6C301211-EBE6-4B7E-A724-3791FD54D0AA}" type="datetimeFigureOut">
               <a:rPr lang="en-GB" smtClean="0"/>
-              <a:t>02/06/2022</a:t>
+              <a:t>03/06/2022</a:t>
             </a:fld>
             <a:endParaRPr lang="en-GB"/>
           </a:p>
@@ -2092,7 +2098,7 @@
           <a:p>
             <a:fld id="{6C301211-EBE6-4B7E-A724-3791FD54D0AA}" type="datetimeFigureOut">
               <a:rPr lang="en-GB" smtClean="0"/>
-              <a:t>02/06/2022</a:t>
+              <a:t>03/06/2022</a:t>
             </a:fld>
             <a:endParaRPr lang="en-GB"/>
           </a:p>
@@ -2349,7 +2355,7 @@
           <a:p>
             <a:fld id="{6C301211-EBE6-4B7E-A724-3791FD54D0AA}" type="datetimeFigureOut">
               <a:rPr lang="en-GB" smtClean="0"/>
-              <a:t>02/06/2022</a:t>
+              <a:t>03/06/2022</a:t>
             </a:fld>
             <a:endParaRPr lang="en-GB"/>
           </a:p>
@@ -2562,7 +2568,7 @@
           <a:p>
             <a:fld id="{6C301211-EBE6-4B7E-A724-3791FD54D0AA}" type="datetimeFigureOut">
               <a:rPr lang="en-GB" smtClean="0"/>
-              <a:t>02/06/2022</a:t>
+              <a:t>03/06/2022</a:t>
             </a:fld>
             <a:endParaRPr lang="en-GB"/>
           </a:p>
@@ -2967,6 +2973,1092 @@
           <a:chExt cx="0" cy="0"/>
         </a:xfrm>
       </p:grpSpPr>
+      <p:sp>
+        <p:nvSpPr>
+          <p:cNvPr id="2" name="Title 1">
+            <a:extLst>
+              <a:ext uri="{FF2B5EF4-FFF2-40B4-BE49-F238E27FC236}">
+                <a16:creationId xmlns:a16="http://schemas.microsoft.com/office/drawing/2014/main" id="{9BAD43EB-B6CA-AC01-3FF0-84619A292F43}"/>
+              </a:ext>
+            </a:extLst>
+          </p:cNvPr>
+          <p:cNvSpPr>
+            <a:spLocks noGrp="1"/>
+          </p:cNvSpPr>
+          <p:nvPr>
+            <p:ph type="title"/>
+          </p:nvPr>
+        </p:nvSpPr>
+        <p:spPr>
+          <a:xfrm>
+            <a:off x="268552" y="78462"/>
+            <a:ext cx="4016651" cy="718299"/>
+          </a:xfrm>
+        </p:spPr>
+        <p:txBody>
+          <a:bodyPr>
+            <a:normAutofit/>
+          </a:bodyPr>
+          <a:lstStyle/>
+          <a:p>
+            <a:r>
+              <a:rPr lang="en-GB" sz="2800" b="1" dirty="0"/>
+              <a:t>Logic Simulator User Guide</a:t>
+            </a:r>
+          </a:p>
+        </p:txBody>
+      </p:sp>
+      <p:sp>
+        <p:nvSpPr>
+          <p:cNvPr id="8" name="TextBox 7">
+            <a:extLst>
+              <a:ext uri="{FF2B5EF4-FFF2-40B4-BE49-F238E27FC236}">
+                <a16:creationId xmlns:a16="http://schemas.microsoft.com/office/drawing/2014/main" id="{806604E9-ECEE-2F2A-C8CD-F398EE8DF992}"/>
+              </a:ext>
+            </a:extLst>
+          </p:cNvPr>
+          <p:cNvSpPr txBox="1"/>
+          <p:nvPr/>
+        </p:nvSpPr>
+        <p:spPr>
+          <a:xfrm>
+            <a:off x="265556" y="702366"/>
+            <a:ext cx="5220844" cy="1169551"/>
+          </a:xfrm>
+          <a:prstGeom prst="rect">
+            <a:avLst/>
+          </a:prstGeom>
+          <a:noFill/>
+        </p:spPr>
+        <p:txBody>
+          <a:bodyPr wrap="square" rtlCol="0">
+            <a:spAutoFit/>
+          </a:bodyPr>
+          <a:lstStyle/>
+          <a:p>
+            <a:r>
+              <a:rPr lang="en-GB" sz="1200" b="1" dirty="0"/>
+              <a:t>STEP 1: Getting Started</a:t>
+            </a:r>
+          </a:p>
+          <a:p>
+            <a:pPr marL="228600" indent="-228600">
+              <a:buFont typeface="+mj-lt"/>
+              <a:buAutoNum type="arabicPeriod"/>
+            </a:pPr>
+            <a:r>
+              <a:rPr lang="en-GB" sz="1200" b="1" dirty="0"/>
+              <a:t>Navigate to the ‘logsim’ directory using the command line</a:t>
+            </a:r>
+          </a:p>
+          <a:p>
+            <a:pPr marL="228600" indent="-228600">
+              <a:buFont typeface="+mj-lt"/>
+              <a:buAutoNum type="arabicPeriod"/>
+            </a:pPr>
+            <a:r>
+              <a:rPr lang="en-GB" sz="1200" b="1" dirty="0"/>
+              <a:t>Type ‘python logsim.py’ + definition file name (Definition_Ex3.txt can be used for illustration)</a:t>
+            </a:r>
+          </a:p>
+          <a:p>
+            <a:pPr marL="228600" indent="-228600">
+              <a:buFont typeface="+mj-lt"/>
+              <a:buAutoNum type="arabicPeriod"/>
+            </a:pPr>
+            <a:r>
+              <a:rPr lang="en-GB" sz="1200" b="1" dirty="0"/>
+              <a:t>press ENTER</a:t>
+            </a:r>
+          </a:p>
+          <a:p>
+            <a:endParaRPr lang="en-GB" sz="1000" dirty="0"/>
+          </a:p>
+        </p:txBody>
+      </p:sp>
+      <p:pic>
+        <p:nvPicPr>
+          <p:cNvPr id="10" name="Picture 9">
+            <a:extLst>
+              <a:ext uri="{FF2B5EF4-FFF2-40B4-BE49-F238E27FC236}">
+                <a16:creationId xmlns:a16="http://schemas.microsoft.com/office/drawing/2014/main" id="{54C1197E-B04A-D8D0-C2D6-47F0D17BC6A0}"/>
+              </a:ext>
+            </a:extLst>
+          </p:cNvPr>
+          <p:cNvPicPr>
+            <a:picLocks noChangeAspect="1"/>
+          </p:cNvPicPr>
+          <p:nvPr/>
+        </p:nvPicPr>
+        <p:blipFill>
+          <a:blip r:embed="rId2"/>
+          <a:stretch>
+            <a:fillRect/>
+          </a:stretch>
+        </p:blipFill>
+        <p:spPr>
+          <a:xfrm>
+            <a:off x="265556" y="1725017"/>
+            <a:ext cx="5989983" cy="5225468"/>
+          </a:xfrm>
+          <a:prstGeom prst="rect">
+            <a:avLst/>
+          </a:prstGeom>
+        </p:spPr>
+      </p:pic>
+      <p:sp>
+        <p:nvSpPr>
+          <p:cNvPr id="11" name="TextBox 10">
+            <a:extLst>
+              <a:ext uri="{FF2B5EF4-FFF2-40B4-BE49-F238E27FC236}">
+                <a16:creationId xmlns:a16="http://schemas.microsoft.com/office/drawing/2014/main" id="{6B20933A-1CA2-E011-1F80-68BE14D7C1E0}"/>
+              </a:ext>
+            </a:extLst>
+          </p:cNvPr>
+          <p:cNvSpPr txBox="1"/>
+          <p:nvPr/>
+        </p:nvSpPr>
+        <p:spPr>
+          <a:xfrm>
+            <a:off x="221784" y="7378848"/>
+            <a:ext cx="5220844" cy="461665"/>
+          </a:xfrm>
+          <a:prstGeom prst="rect">
+            <a:avLst/>
+          </a:prstGeom>
+          <a:noFill/>
+        </p:spPr>
+        <p:txBody>
+          <a:bodyPr wrap="square" rtlCol="0">
+            <a:spAutoFit/>
+          </a:bodyPr>
+          <a:lstStyle/>
+          <a:p>
+            <a:r>
+              <a:rPr lang="en-GB" sz="1400" b="1" dirty="0"/>
+              <a:t>STEP 2: GUI Familiarisation (see Figure 1) </a:t>
+            </a:r>
+          </a:p>
+          <a:p>
+            <a:endParaRPr lang="en-GB" sz="1000" dirty="0"/>
+          </a:p>
+        </p:txBody>
+      </p:sp>
+      <p:sp>
+        <p:nvSpPr>
+          <p:cNvPr id="12" name="TextBox 11">
+            <a:extLst>
+              <a:ext uri="{FF2B5EF4-FFF2-40B4-BE49-F238E27FC236}">
+                <a16:creationId xmlns:a16="http://schemas.microsoft.com/office/drawing/2014/main" id="{CCC2B13A-B501-C68F-79E3-B215F239B9C5}"/>
+              </a:ext>
+            </a:extLst>
+          </p:cNvPr>
+          <p:cNvSpPr txBox="1"/>
+          <p:nvPr/>
+        </p:nvSpPr>
+        <p:spPr>
+          <a:xfrm>
+            <a:off x="2494945" y="6950485"/>
+            <a:ext cx="1868109" cy="461665"/>
+          </a:xfrm>
+          <a:prstGeom prst="rect">
+            <a:avLst/>
+          </a:prstGeom>
+          <a:noFill/>
+        </p:spPr>
+        <p:txBody>
+          <a:bodyPr wrap="square" rtlCol="0">
+            <a:spAutoFit/>
+          </a:bodyPr>
+          <a:lstStyle/>
+          <a:p>
+            <a:r>
+              <a:rPr lang="en-GB" sz="1400" b="1" dirty="0"/>
+              <a:t>Figure 1 Example GUI</a:t>
+            </a:r>
+          </a:p>
+          <a:p>
+            <a:endParaRPr lang="en-GB" sz="1000" dirty="0"/>
+          </a:p>
+        </p:txBody>
+      </p:sp>
+      <p:sp>
+        <p:nvSpPr>
+          <p:cNvPr id="13" name="TextBox 12">
+            <a:extLst>
+              <a:ext uri="{FF2B5EF4-FFF2-40B4-BE49-F238E27FC236}">
+                <a16:creationId xmlns:a16="http://schemas.microsoft.com/office/drawing/2014/main" id="{F8A1D665-D7A6-5124-4E28-7EF453034E46}"/>
+              </a:ext>
+            </a:extLst>
+          </p:cNvPr>
+          <p:cNvSpPr txBox="1"/>
+          <p:nvPr/>
+        </p:nvSpPr>
+        <p:spPr>
+          <a:xfrm>
+            <a:off x="3278263" y="5906569"/>
+            <a:ext cx="2673675" cy="615553"/>
+          </a:xfrm>
+          <a:prstGeom prst="rect">
+            <a:avLst/>
+          </a:prstGeom>
+          <a:noFill/>
+        </p:spPr>
+        <p:txBody>
+          <a:bodyPr wrap="square" rtlCol="0">
+            <a:spAutoFit/>
+          </a:bodyPr>
+          <a:lstStyle/>
+          <a:p>
+            <a:r>
+              <a:rPr lang="en-GB" sz="1600" b="1" dirty="0">
+                <a:solidFill>
+                  <a:schemeClr val="accent2">
+                    <a:lumMod val="75000"/>
+                  </a:schemeClr>
+                </a:solidFill>
+                <a:latin typeface="Arial Black" panose="020B0A04020102020204" pitchFamily="34" charset="0"/>
+              </a:rPr>
+              <a:t>Loaded Definition File</a:t>
+            </a:r>
+          </a:p>
+          <a:p>
+            <a:endParaRPr lang="en-GB" dirty="0"/>
+          </a:p>
+        </p:txBody>
+      </p:sp>
+      <p:sp>
+        <p:nvSpPr>
+          <p:cNvPr id="14" name="TextBox 13">
+            <a:extLst>
+              <a:ext uri="{FF2B5EF4-FFF2-40B4-BE49-F238E27FC236}">
+                <a16:creationId xmlns:a16="http://schemas.microsoft.com/office/drawing/2014/main" id="{9B7DB4DF-40CB-0C58-21B8-2623A51CEEB9}"/>
+              </a:ext>
+            </a:extLst>
+          </p:cNvPr>
+          <p:cNvSpPr txBox="1"/>
+          <p:nvPr/>
+        </p:nvSpPr>
+        <p:spPr>
+          <a:xfrm>
+            <a:off x="2833573" y="4592245"/>
+            <a:ext cx="2953616" cy="615553"/>
+          </a:xfrm>
+          <a:prstGeom prst="rect">
+            <a:avLst/>
+          </a:prstGeom>
+          <a:noFill/>
+        </p:spPr>
+        <p:txBody>
+          <a:bodyPr wrap="square" rtlCol="0">
+            <a:spAutoFit/>
+          </a:bodyPr>
+          <a:lstStyle/>
+          <a:p>
+            <a:r>
+              <a:rPr lang="en-GB" sz="1600" b="1" dirty="0">
+                <a:solidFill>
+                  <a:schemeClr val="accent2">
+                    <a:lumMod val="75000"/>
+                  </a:schemeClr>
+                </a:solidFill>
+                <a:latin typeface="Arial Black" panose="020B0A04020102020204" pitchFamily="34" charset="0"/>
+              </a:rPr>
+              <a:t>Monitor Output Canvas</a:t>
+            </a:r>
+          </a:p>
+          <a:p>
+            <a:endParaRPr lang="en-GB" dirty="0"/>
+          </a:p>
+        </p:txBody>
+      </p:sp>
+      <p:sp>
+        <p:nvSpPr>
+          <p:cNvPr id="15" name="TextBox 14">
+            <a:extLst>
+              <a:ext uri="{FF2B5EF4-FFF2-40B4-BE49-F238E27FC236}">
+                <a16:creationId xmlns:a16="http://schemas.microsoft.com/office/drawing/2014/main" id="{54AB5E3A-6D7D-1197-0DBD-56BDAA228EFE}"/>
+              </a:ext>
+            </a:extLst>
+          </p:cNvPr>
+          <p:cNvSpPr txBox="1"/>
+          <p:nvPr/>
+        </p:nvSpPr>
+        <p:spPr>
+          <a:xfrm>
+            <a:off x="4615101" y="3403132"/>
+            <a:ext cx="871299" cy="530915"/>
+          </a:xfrm>
+          <a:prstGeom prst="rect">
+            <a:avLst/>
+          </a:prstGeom>
+          <a:noFill/>
+        </p:spPr>
+        <p:txBody>
+          <a:bodyPr wrap="square" rtlCol="0">
+            <a:spAutoFit/>
+          </a:bodyPr>
+          <a:lstStyle/>
+          <a:p>
+            <a:r>
+              <a:rPr lang="en-GB" sz="1050" b="1" dirty="0">
+                <a:solidFill>
+                  <a:schemeClr val="accent2">
+                    <a:lumMod val="75000"/>
+                  </a:schemeClr>
+                </a:solidFill>
+              </a:rPr>
+              <a:t>Level high</a:t>
+            </a:r>
+          </a:p>
+          <a:p>
+            <a:endParaRPr lang="en-GB" dirty="0"/>
+          </a:p>
+        </p:txBody>
+      </p:sp>
+      <p:sp>
+        <p:nvSpPr>
+          <p:cNvPr id="16" name="TextBox 15">
+            <a:extLst>
+              <a:ext uri="{FF2B5EF4-FFF2-40B4-BE49-F238E27FC236}">
+                <a16:creationId xmlns:a16="http://schemas.microsoft.com/office/drawing/2014/main" id="{3E89D4F6-D2E7-9A05-6053-C384BCAA6B60}"/>
+              </a:ext>
+            </a:extLst>
+          </p:cNvPr>
+          <p:cNvSpPr txBox="1"/>
+          <p:nvPr/>
+        </p:nvSpPr>
+        <p:spPr>
+          <a:xfrm>
+            <a:off x="5360177" y="3995172"/>
+            <a:ext cx="871299" cy="530915"/>
+          </a:xfrm>
+          <a:prstGeom prst="rect">
+            <a:avLst/>
+          </a:prstGeom>
+          <a:noFill/>
+        </p:spPr>
+        <p:txBody>
+          <a:bodyPr wrap="square" rtlCol="0">
+            <a:spAutoFit/>
+          </a:bodyPr>
+          <a:lstStyle/>
+          <a:p>
+            <a:r>
+              <a:rPr lang="en-GB" sz="1050" b="1" dirty="0">
+                <a:solidFill>
+                  <a:schemeClr val="accent2">
+                    <a:lumMod val="75000"/>
+                  </a:schemeClr>
+                </a:solidFill>
+              </a:rPr>
+              <a:t>Level low</a:t>
+            </a:r>
+          </a:p>
+          <a:p>
+            <a:endParaRPr lang="en-GB" dirty="0"/>
+          </a:p>
+        </p:txBody>
+      </p:sp>
+      <p:sp>
+        <p:nvSpPr>
+          <p:cNvPr id="17" name="TextBox 16">
+            <a:extLst>
+              <a:ext uri="{FF2B5EF4-FFF2-40B4-BE49-F238E27FC236}">
+                <a16:creationId xmlns:a16="http://schemas.microsoft.com/office/drawing/2014/main" id="{9D139D70-810D-75C5-8152-7DDB9AD3C57C}"/>
+              </a:ext>
+            </a:extLst>
+          </p:cNvPr>
+          <p:cNvSpPr txBox="1"/>
+          <p:nvPr/>
+        </p:nvSpPr>
+        <p:spPr>
+          <a:xfrm>
+            <a:off x="1891953" y="3464257"/>
+            <a:ext cx="871299" cy="692497"/>
+          </a:xfrm>
+          <a:prstGeom prst="rect">
+            <a:avLst/>
+          </a:prstGeom>
+          <a:noFill/>
+        </p:spPr>
+        <p:txBody>
+          <a:bodyPr wrap="square" rtlCol="0">
+            <a:spAutoFit/>
+          </a:bodyPr>
+          <a:lstStyle/>
+          <a:p>
+            <a:r>
+              <a:rPr lang="en-GB" sz="1050" b="1" dirty="0">
+                <a:solidFill>
+                  <a:schemeClr val="accent2">
+                    <a:lumMod val="75000"/>
+                  </a:schemeClr>
+                </a:solidFill>
+              </a:rPr>
+              <a:t>Device names</a:t>
+            </a:r>
+          </a:p>
+          <a:p>
+            <a:endParaRPr lang="en-GB" dirty="0"/>
+          </a:p>
+        </p:txBody>
+      </p:sp>
+      <p:sp>
+        <p:nvSpPr>
+          <p:cNvPr id="18" name="TextBox 17">
+            <a:extLst>
+              <a:ext uri="{FF2B5EF4-FFF2-40B4-BE49-F238E27FC236}">
+                <a16:creationId xmlns:a16="http://schemas.microsoft.com/office/drawing/2014/main" id="{3588D0A6-2513-56B5-6D6F-1939B34B2A42}"/>
+              </a:ext>
+            </a:extLst>
+          </p:cNvPr>
+          <p:cNvSpPr txBox="1"/>
+          <p:nvPr/>
+        </p:nvSpPr>
+        <p:spPr>
+          <a:xfrm>
+            <a:off x="3648564" y="1847268"/>
+            <a:ext cx="1212194" cy="530915"/>
+          </a:xfrm>
+          <a:prstGeom prst="rect">
+            <a:avLst/>
+          </a:prstGeom>
+          <a:noFill/>
+        </p:spPr>
+        <p:txBody>
+          <a:bodyPr wrap="square" rtlCol="0">
+            <a:spAutoFit/>
+          </a:bodyPr>
+          <a:lstStyle/>
+          <a:p>
+            <a:r>
+              <a:rPr lang="en-GB" sz="1050" b="1" dirty="0">
+                <a:solidFill>
+                  <a:schemeClr val="accent2">
+                    <a:lumMod val="75000"/>
+                  </a:schemeClr>
+                </a:solidFill>
+              </a:rPr>
+              <a:t>Simulation cycles</a:t>
+            </a:r>
+          </a:p>
+          <a:p>
+            <a:endParaRPr lang="en-GB" dirty="0"/>
+          </a:p>
+        </p:txBody>
+      </p:sp>
+      <p:cxnSp>
+        <p:nvCxnSpPr>
+          <p:cNvPr id="20" name="Straight Arrow Connector 19">
+            <a:extLst>
+              <a:ext uri="{FF2B5EF4-FFF2-40B4-BE49-F238E27FC236}">
+                <a16:creationId xmlns:a16="http://schemas.microsoft.com/office/drawing/2014/main" id="{61C5DC46-8F8B-5399-5228-F85B3397931C}"/>
+              </a:ext>
+            </a:extLst>
+          </p:cNvPr>
+          <p:cNvCxnSpPr>
+            <a:cxnSpLocks/>
+          </p:cNvCxnSpPr>
+          <p:nvPr/>
+        </p:nvCxnSpPr>
+        <p:spPr>
+          <a:xfrm>
+            <a:off x="4673161" y="2027049"/>
+            <a:ext cx="187597" cy="171352"/>
+          </a:xfrm>
+          <a:prstGeom prst="straightConnector1">
+            <a:avLst/>
+          </a:prstGeom>
+          <a:ln>
+            <a:tailEnd type="triangle"/>
+          </a:ln>
+        </p:spPr>
+        <p:style>
+          <a:lnRef idx="1">
+            <a:schemeClr val="accent2"/>
+          </a:lnRef>
+          <a:fillRef idx="0">
+            <a:schemeClr val="accent2"/>
+          </a:fillRef>
+          <a:effectRef idx="0">
+            <a:schemeClr val="accent2"/>
+          </a:effectRef>
+          <a:fontRef idx="minor">
+            <a:schemeClr val="tx1"/>
+          </a:fontRef>
+        </p:style>
+      </p:cxnSp>
+      <p:sp>
+        <p:nvSpPr>
+          <p:cNvPr id="25" name="TextBox 24">
+            <a:extLst>
+              <a:ext uri="{FF2B5EF4-FFF2-40B4-BE49-F238E27FC236}">
+                <a16:creationId xmlns:a16="http://schemas.microsoft.com/office/drawing/2014/main" id="{05F62046-E176-7558-9964-B8C14B844D27}"/>
+              </a:ext>
+            </a:extLst>
+          </p:cNvPr>
+          <p:cNvSpPr txBox="1"/>
+          <p:nvPr/>
+        </p:nvSpPr>
+        <p:spPr>
+          <a:xfrm>
+            <a:off x="679759" y="2198401"/>
+            <a:ext cx="1212194" cy="530915"/>
+          </a:xfrm>
+          <a:prstGeom prst="rect">
+            <a:avLst/>
+          </a:prstGeom>
+          <a:noFill/>
+        </p:spPr>
+        <p:txBody>
+          <a:bodyPr wrap="square" rtlCol="0">
+            <a:spAutoFit/>
+          </a:bodyPr>
+          <a:lstStyle/>
+          <a:p>
+            <a:r>
+              <a:rPr lang="en-GB" sz="1050" b="1" dirty="0">
+                <a:solidFill>
+                  <a:schemeClr val="accent2">
+                    <a:lumMod val="75000"/>
+                  </a:schemeClr>
+                </a:solidFill>
+              </a:rPr>
+              <a:t>Cycles number</a:t>
+            </a:r>
+          </a:p>
+          <a:p>
+            <a:endParaRPr lang="en-GB" dirty="0"/>
+          </a:p>
+        </p:txBody>
+      </p:sp>
+      <p:sp>
+        <p:nvSpPr>
+          <p:cNvPr id="26" name="TextBox 25">
+            <a:extLst>
+              <a:ext uri="{FF2B5EF4-FFF2-40B4-BE49-F238E27FC236}">
+                <a16:creationId xmlns:a16="http://schemas.microsoft.com/office/drawing/2014/main" id="{508B8A27-33FC-3D3C-8335-8CB845265C2A}"/>
+              </a:ext>
+            </a:extLst>
+          </p:cNvPr>
+          <p:cNvSpPr txBox="1"/>
+          <p:nvPr/>
+        </p:nvSpPr>
+        <p:spPr>
+          <a:xfrm>
+            <a:off x="1093962" y="2590967"/>
+            <a:ext cx="1212194" cy="692497"/>
+          </a:xfrm>
+          <a:prstGeom prst="rect">
+            <a:avLst/>
+          </a:prstGeom>
+          <a:noFill/>
+        </p:spPr>
+        <p:txBody>
+          <a:bodyPr wrap="square" rtlCol="0">
+            <a:spAutoFit/>
+          </a:bodyPr>
+          <a:lstStyle/>
+          <a:p>
+            <a:r>
+              <a:rPr lang="en-GB" sz="1050" b="1" dirty="0">
+                <a:solidFill>
+                  <a:schemeClr val="accent2">
+                    <a:lumMod val="75000"/>
+                  </a:schemeClr>
+                </a:solidFill>
+              </a:rPr>
+              <a:t>Text based</a:t>
+            </a:r>
+          </a:p>
+          <a:p>
+            <a:r>
+              <a:rPr lang="en-GB" sz="1050" b="1" dirty="0">
+                <a:solidFill>
+                  <a:schemeClr val="accent2">
+                    <a:lumMod val="75000"/>
+                  </a:schemeClr>
+                </a:solidFill>
+              </a:rPr>
+              <a:t>control</a:t>
+            </a:r>
+          </a:p>
+          <a:p>
+            <a:endParaRPr lang="en-GB" dirty="0"/>
+          </a:p>
+        </p:txBody>
+      </p:sp>
+      <p:sp>
+        <p:nvSpPr>
+          <p:cNvPr id="27" name="TextBox 26">
+            <a:extLst>
+              <a:ext uri="{FF2B5EF4-FFF2-40B4-BE49-F238E27FC236}">
+                <a16:creationId xmlns:a16="http://schemas.microsoft.com/office/drawing/2014/main" id="{2938F162-C4C0-C99B-C0D9-E968F9C8CE7B}"/>
+              </a:ext>
+            </a:extLst>
+          </p:cNvPr>
+          <p:cNvSpPr txBox="1"/>
+          <p:nvPr/>
+        </p:nvSpPr>
+        <p:spPr>
+          <a:xfrm>
+            <a:off x="602461" y="3750805"/>
+            <a:ext cx="1212194" cy="253916"/>
+          </a:xfrm>
+          <a:prstGeom prst="rect">
+            <a:avLst/>
+          </a:prstGeom>
+          <a:noFill/>
+        </p:spPr>
+        <p:txBody>
+          <a:bodyPr wrap="square" rtlCol="0">
+            <a:spAutoFit/>
+          </a:bodyPr>
+          <a:lstStyle/>
+          <a:p>
+            <a:r>
+              <a:rPr lang="en-GB" sz="1050" b="1" dirty="0">
+                <a:solidFill>
+                  <a:schemeClr val="accent2">
+                    <a:lumMod val="75000"/>
+                  </a:schemeClr>
+                </a:solidFill>
+              </a:rPr>
+              <a:t>Set switch </a:t>
+            </a:r>
+            <a:r>
+              <a:rPr lang="en-US" altLang="zh-CN" sz="1050" b="1" dirty="0">
+                <a:solidFill>
+                  <a:schemeClr val="accent2">
+                    <a:lumMod val="75000"/>
+                  </a:schemeClr>
+                </a:solidFill>
+              </a:rPr>
+              <a:t>panel</a:t>
+            </a:r>
+            <a:endParaRPr lang="en-GB" dirty="0">
+              <a:solidFill>
+                <a:schemeClr val="accent2">
+                  <a:lumMod val="75000"/>
+                </a:schemeClr>
+              </a:solidFill>
+            </a:endParaRPr>
+          </a:p>
+        </p:txBody>
+      </p:sp>
+      <p:sp>
+        <p:nvSpPr>
+          <p:cNvPr id="28" name="TextBox 27">
+            <a:extLst>
+              <a:ext uri="{FF2B5EF4-FFF2-40B4-BE49-F238E27FC236}">
+                <a16:creationId xmlns:a16="http://schemas.microsoft.com/office/drawing/2014/main" id="{226A5F9F-DC5D-50E1-B87C-C60B67B8D789}"/>
+              </a:ext>
+            </a:extLst>
+          </p:cNvPr>
+          <p:cNvSpPr txBox="1"/>
+          <p:nvPr/>
+        </p:nvSpPr>
+        <p:spPr>
+          <a:xfrm>
+            <a:off x="602461" y="5055336"/>
+            <a:ext cx="1340935" cy="253916"/>
+          </a:xfrm>
+          <a:prstGeom prst="rect">
+            <a:avLst/>
+          </a:prstGeom>
+          <a:noFill/>
+        </p:spPr>
+        <p:txBody>
+          <a:bodyPr wrap="square" rtlCol="0">
+            <a:spAutoFit/>
+          </a:bodyPr>
+          <a:lstStyle/>
+          <a:p>
+            <a:r>
+              <a:rPr lang="en-GB" sz="1050" b="1" dirty="0">
+                <a:solidFill>
+                  <a:schemeClr val="accent2">
+                    <a:lumMod val="75000"/>
+                  </a:schemeClr>
+                </a:solidFill>
+              </a:rPr>
+              <a:t>Set monitor </a:t>
+            </a:r>
+            <a:r>
+              <a:rPr lang="en-US" altLang="zh-CN" sz="1050" b="1" dirty="0">
+                <a:solidFill>
+                  <a:schemeClr val="accent2">
+                    <a:lumMod val="75000"/>
+                  </a:schemeClr>
+                </a:solidFill>
+              </a:rPr>
+              <a:t>panel</a:t>
+            </a:r>
+            <a:endParaRPr lang="en-GB" dirty="0">
+              <a:solidFill>
+                <a:schemeClr val="accent2">
+                  <a:lumMod val="75000"/>
+                </a:schemeClr>
+              </a:solidFill>
+            </a:endParaRPr>
+          </a:p>
+        </p:txBody>
+      </p:sp>
+      <p:sp>
+        <p:nvSpPr>
+          <p:cNvPr id="29" name="TextBox 28">
+            <a:extLst>
+              <a:ext uri="{FF2B5EF4-FFF2-40B4-BE49-F238E27FC236}">
+                <a16:creationId xmlns:a16="http://schemas.microsoft.com/office/drawing/2014/main" id="{DCF0A74A-B79B-E95D-27C8-0AA778699687}"/>
+              </a:ext>
+            </a:extLst>
+          </p:cNvPr>
+          <p:cNvSpPr txBox="1"/>
+          <p:nvPr/>
+        </p:nvSpPr>
+        <p:spPr>
+          <a:xfrm>
+            <a:off x="430969" y="6013265"/>
+            <a:ext cx="2063976" cy="338554"/>
+          </a:xfrm>
+          <a:prstGeom prst="rect">
+            <a:avLst/>
+          </a:prstGeom>
+          <a:noFill/>
+        </p:spPr>
+        <p:txBody>
+          <a:bodyPr wrap="square" rtlCol="0">
+            <a:spAutoFit/>
+          </a:bodyPr>
+          <a:lstStyle/>
+          <a:p>
+            <a:r>
+              <a:rPr lang="en-GB" sz="1600" b="1" dirty="0">
+                <a:solidFill>
+                  <a:schemeClr val="accent2">
+                    <a:lumMod val="75000"/>
+                  </a:schemeClr>
+                </a:solidFill>
+                <a:latin typeface="Arial Black" panose="020B0A04020102020204" pitchFamily="34" charset="0"/>
+              </a:rPr>
+              <a:t>Input panel</a:t>
+            </a:r>
+            <a:endParaRPr lang="en-GB" dirty="0">
+              <a:latin typeface="Arial Black" panose="020B0A04020102020204" pitchFamily="34" charset="0"/>
+            </a:endParaRPr>
+          </a:p>
+        </p:txBody>
+      </p:sp>
+      <p:sp>
+        <p:nvSpPr>
+          <p:cNvPr id="30" name="TextBox 29">
+            <a:extLst>
+              <a:ext uri="{FF2B5EF4-FFF2-40B4-BE49-F238E27FC236}">
+                <a16:creationId xmlns:a16="http://schemas.microsoft.com/office/drawing/2014/main" id="{F3F30B78-870E-FEA9-1CE5-E465547C9852}"/>
+              </a:ext>
+            </a:extLst>
+          </p:cNvPr>
+          <p:cNvSpPr txBox="1"/>
+          <p:nvPr/>
+        </p:nvSpPr>
+        <p:spPr>
+          <a:xfrm>
+            <a:off x="221783" y="7692330"/>
+            <a:ext cx="5408989" cy="1277273"/>
+          </a:xfrm>
+          <a:prstGeom prst="rect">
+            <a:avLst/>
+          </a:prstGeom>
+          <a:noFill/>
+        </p:spPr>
+        <p:txBody>
+          <a:bodyPr wrap="square" rtlCol="0">
+            <a:spAutoFit/>
+          </a:bodyPr>
+          <a:lstStyle/>
+          <a:p>
+            <a:r>
+              <a:rPr lang="en-GB" sz="1400" b="1" dirty="0"/>
+              <a:t>STEP 3: Set the Input</a:t>
+            </a:r>
+          </a:p>
+          <a:p>
+            <a:pPr marL="228600" indent="-228600">
+              <a:buFont typeface="+mj-lt"/>
+              <a:buAutoNum type="arabicPeriod"/>
+            </a:pPr>
+            <a:r>
+              <a:rPr lang="en-GB" sz="1400" b="1" dirty="0"/>
+              <a:t>For each switch: set the initial input (0 or 1) by clicking the button</a:t>
+            </a:r>
+          </a:p>
+          <a:p>
+            <a:pPr marL="228600" indent="-228600">
+              <a:buFont typeface="+mj-lt"/>
+              <a:buAutoNum type="arabicPeriod"/>
+            </a:pPr>
+            <a:r>
+              <a:rPr lang="en-GB" sz="1400" b="1" dirty="0"/>
+              <a:t>Choose the devices that need to be monitored </a:t>
+            </a:r>
+          </a:p>
+          <a:p>
+            <a:pPr marL="228600" indent="-228600">
+              <a:buFont typeface="+mj-lt"/>
+              <a:buAutoNum type="arabicPeriod"/>
+            </a:pPr>
+            <a:r>
+              <a:rPr lang="en-GB" sz="1400" b="1" dirty="0"/>
+              <a:t>Set a time scale by typing or choosing the cycle number</a:t>
+            </a:r>
+          </a:p>
+          <a:p>
+            <a:r>
+              <a:rPr lang="en-GB" sz="1100" b="1" dirty="0"/>
+              <a:t>(All default values can be set in the definition file)</a:t>
+            </a:r>
+          </a:p>
+          <a:p>
+            <a:endParaRPr lang="en-GB" sz="1000" dirty="0"/>
+          </a:p>
+        </p:txBody>
+      </p:sp>
+      <p:sp>
+        <p:nvSpPr>
+          <p:cNvPr id="31" name="TextBox 30">
+            <a:extLst>
+              <a:ext uri="{FF2B5EF4-FFF2-40B4-BE49-F238E27FC236}">
+                <a16:creationId xmlns:a16="http://schemas.microsoft.com/office/drawing/2014/main" id="{A367F1CD-142D-E691-7CBE-D9A6FFAAF9ED}"/>
+              </a:ext>
+            </a:extLst>
+          </p:cNvPr>
+          <p:cNvSpPr txBox="1"/>
+          <p:nvPr/>
+        </p:nvSpPr>
+        <p:spPr>
+          <a:xfrm>
+            <a:off x="238457" y="8810131"/>
+            <a:ext cx="5824570" cy="1277273"/>
+          </a:xfrm>
+          <a:prstGeom prst="rect">
+            <a:avLst/>
+          </a:prstGeom>
+          <a:noFill/>
+        </p:spPr>
+        <p:txBody>
+          <a:bodyPr wrap="square" rtlCol="0">
+            <a:spAutoFit/>
+          </a:bodyPr>
+          <a:lstStyle/>
+          <a:p>
+            <a:r>
+              <a:rPr lang="en-GB" sz="1400" b="1" dirty="0"/>
+              <a:t>STEP 4: Run the Simulation</a:t>
+            </a:r>
+          </a:p>
+          <a:p>
+            <a:pPr marL="228600" indent="-228600">
+              <a:buFont typeface="+mj-lt"/>
+              <a:buAutoNum type="arabicPeriod"/>
+            </a:pPr>
+            <a:r>
+              <a:rPr lang="en-GB" sz="1400" b="1" dirty="0"/>
+              <a:t>Click ‘Run’ button when you are ready</a:t>
+            </a:r>
+          </a:p>
+          <a:p>
+            <a:pPr marL="228600" indent="-228600">
+              <a:buFont typeface="+mj-lt"/>
+              <a:buAutoNum type="arabicPeriod"/>
+            </a:pPr>
+            <a:r>
+              <a:rPr lang="en-GB" sz="1400" b="1" dirty="0"/>
+              <a:t>Use ‘Clear’ button to clear the canvas and the loaded file</a:t>
+            </a:r>
+          </a:p>
+          <a:p>
+            <a:pPr marL="228600" indent="-228600">
+              <a:buFont typeface="+mj-lt"/>
+              <a:buAutoNum type="arabicPeriod"/>
+            </a:pPr>
+            <a:r>
+              <a:rPr lang="en-GB" sz="1400" b="1" dirty="0"/>
+              <a:t>Drag or zoom the output traces using the mouse and mouse wheel</a:t>
+            </a:r>
+          </a:p>
+          <a:p>
+            <a:endParaRPr lang="en-GB" sz="1100" b="1" dirty="0"/>
+          </a:p>
+          <a:p>
+            <a:endParaRPr lang="en-GB" sz="1000" dirty="0"/>
+          </a:p>
+        </p:txBody>
+      </p:sp>
+      <p:sp>
+        <p:nvSpPr>
+          <p:cNvPr id="32" name="TextBox 31">
+            <a:extLst>
+              <a:ext uri="{FF2B5EF4-FFF2-40B4-BE49-F238E27FC236}">
+                <a16:creationId xmlns:a16="http://schemas.microsoft.com/office/drawing/2014/main" id="{51147E92-429C-BE2A-1DC3-7D5C702546BF}"/>
+              </a:ext>
+            </a:extLst>
+          </p:cNvPr>
+          <p:cNvSpPr txBox="1"/>
+          <p:nvPr/>
+        </p:nvSpPr>
+        <p:spPr>
+          <a:xfrm>
+            <a:off x="1250344" y="1687680"/>
+            <a:ext cx="1386103" cy="692497"/>
+          </a:xfrm>
+          <a:prstGeom prst="rect">
+            <a:avLst/>
+          </a:prstGeom>
+          <a:noFill/>
+        </p:spPr>
+        <p:txBody>
+          <a:bodyPr wrap="square" rtlCol="0">
+            <a:spAutoFit/>
+          </a:bodyPr>
+          <a:lstStyle/>
+          <a:p>
+            <a:r>
+              <a:rPr lang="en-GB" sz="1050" b="1" dirty="0">
+                <a:solidFill>
+                  <a:schemeClr val="accent2">
+                    <a:lumMod val="75000"/>
+                  </a:schemeClr>
+                </a:solidFill>
+              </a:rPr>
+              <a:t>Here to load other files or exit</a:t>
+            </a:r>
+          </a:p>
+          <a:p>
+            <a:endParaRPr lang="en-GB" dirty="0"/>
+          </a:p>
+        </p:txBody>
+      </p:sp>
+      <p:cxnSp>
+        <p:nvCxnSpPr>
+          <p:cNvPr id="33" name="Straight Arrow Connector 32">
+            <a:extLst>
+              <a:ext uri="{FF2B5EF4-FFF2-40B4-BE49-F238E27FC236}">
+                <a16:creationId xmlns:a16="http://schemas.microsoft.com/office/drawing/2014/main" id="{687014BC-65E5-6C72-FE85-6B2F21ABF0D8}"/>
+              </a:ext>
+            </a:extLst>
+          </p:cNvPr>
+          <p:cNvCxnSpPr>
+            <a:cxnSpLocks/>
+          </p:cNvCxnSpPr>
+          <p:nvPr/>
+        </p:nvCxnSpPr>
+        <p:spPr>
+          <a:xfrm flipH="1">
+            <a:off x="517358" y="1986314"/>
+            <a:ext cx="732986" cy="0"/>
+          </a:xfrm>
+          <a:prstGeom prst="straightConnector1">
+            <a:avLst/>
+          </a:prstGeom>
+          <a:ln>
+            <a:tailEnd type="triangle"/>
+          </a:ln>
+        </p:spPr>
+        <p:style>
+          <a:lnRef idx="1">
+            <a:schemeClr val="accent2"/>
+          </a:lnRef>
+          <a:fillRef idx="0">
+            <a:schemeClr val="accent2"/>
+          </a:fillRef>
+          <a:effectRef idx="0">
+            <a:schemeClr val="accent2"/>
+          </a:effectRef>
+          <a:fontRef idx="minor">
+            <a:schemeClr val="tx1"/>
+          </a:fontRef>
+        </p:style>
+      </p:cxnSp>
+      <p:sp>
+        <p:nvSpPr>
+          <p:cNvPr id="36" name="TextBox 35">
+            <a:extLst>
+              <a:ext uri="{FF2B5EF4-FFF2-40B4-BE49-F238E27FC236}">
+                <a16:creationId xmlns:a16="http://schemas.microsoft.com/office/drawing/2014/main" id="{D439D5FF-E215-89E9-FFC5-83011ECA9305}"/>
+              </a:ext>
+            </a:extLst>
+          </p:cNvPr>
+          <p:cNvSpPr txBox="1"/>
+          <p:nvPr/>
+        </p:nvSpPr>
+        <p:spPr>
+          <a:xfrm>
+            <a:off x="4975905" y="8810131"/>
+            <a:ext cx="1741990" cy="553998"/>
+          </a:xfrm>
+          <a:prstGeom prst="rect">
+            <a:avLst/>
+          </a:prstGeom>
+          <a:noFill/>
+          <a:ln>
+            <a:solidFill>
+              <a:srgbClr val="FF0000"/>
+            </a:solidFill>
+          </a:ln>
+        </p:spPr>
+        <p:txBody>
+          <a:bodyPr wrap="square" rtlCol="0">
+            <a:spAutoFit/>
+          </a:bodyPr>
+          <a:lstStyle/>
+          <a:p>
+            <a:pPr algn="ctr"/>
+            <a:r>
+              <a:rPr lang="en-GB" sz="1000" b="1" dirty="0"/>
+              <a:t>Example definition files and  </a:t>
+            </a:r>
+          </a:p>
+          <a:p>
+            <a:pPr algn="ctr"/>
+            <a:r>
+              <a:rPr lang="en-GB" sz="1000" b="1" dirty="0"/>
+              <a:t>corresponding circuits can be found on the next page</a:t>
+            </a:r>
+            <a:endParaRPr lang="en-GB" sz="700" dirty="0"/>
+          </a:p>
+        </p:txBody>
+      </p:sp>
+    </p:spTree>
+    <p:extLst>
+      <p:ext uri="{BB962C8B-B14F-4D97-AF65-F5344CB8AC3E}">
+        <p14:creationId xmlns:p14="http://schemas.microsoft.com/office/powerpoint/2010/main" val="1192399417"/>
+      </p:ext>
+    </p:extLst>
+  </p:cSld>
+  <p:clrMapOvr>
+    <a:masterClrMapping/>
+  </p:clrMapOvr>
+</p:sld>
+</file>
+
+<file path=ppt/slides/slide2.xml><?xml version="1.0" encoding="utf-8"?>
+<p:sld xmlns:a="http://schemas.openxmlformats.org/drawingml/2006/main" xmlns:r="http://schemas.openxmlformats.org/officeDocument/2006/relationships" xmlns:p="http://schemas.openxmlformats.org/presentationml/2006/main">
+  <p:cSld>
+    <p:spTree>
+      <p:nvGrpSpPr>
+        <p:cNvPr id="1" name=""/>
+        <p:cNvGrpSpPr/>
+        <p:nvPr/>
+      </p:nvGrpSpPr>
+      <p:grpSpPr>
+        <a:xfrm>
+          <a:off x="0" y="0"/>
+          <a:ext cx="0" cy="0"/>
+          <a:chOff x="0" y="0"/>
+          <a:chExt cx="0" cy="0"/>
+        </a:xfrm>
+      </p:grpSpPr>
       <p:pic>
         <p:nvPicPr>
           <p:cNvPr id="1026" name="Picture 2">
@@ -2996,7 +4088,7 @@
         </p:blipFill>
         <p:spPr bwMode="auto">
           <a:xfrm>
-            <a:off x="276805" y="6544734"/>
+            <a:off x="276805" y="6111598"/>
             <a:ext cx="3619975" cy="2486372"/>
           </a:xfrm>
           <a:prstGeom prst="rect">
@@ -3028,7 +4120,7 @@
         </p:nvSpPr>
         <p:spPr>
           <a:xfrm>
-            <a:off x="1153580" y="5721141"/>
+            <a:off x="1211790" y="4928220"/>
             <a:ext cx="4434419" cy="369332"/>
           </a:xfrm>
           <a:prstGeom prst="rect">
@@ -3106,8 +4198,8 @@
         </p:nvSpPr>
         <p:spPr>
           <a:xfrm>
-            <a:off x="1211790" y="614549"/>
-            <a:ext cx="5483745" cy="369332"/>
+            <a:off x="438566" y="444655"/>
+            <a:ext cx="5980868" cy="369332"/>
           </a:xfrm>
           <a:prstGeom prst="rect">
             <a:avLst/>
@@ -3134,7 +4226,7 @@
             </a:r>
             <a:r>
               <a:rPr lang="en-US" altLang="zh-CN" dirty="0"/>
-              <a:t>NOR (NAND Implementation)</a:t>
+              <a:t>NOR Gate (NAND Implementation)</a:t>
             </a:r>
             <a:endParaRPr lang="en-GB" dirty="0"/>
           </a:p>
@@ -3192,7 +4284,7 @@
         </p:blipFill>
         <p:spPr>
           <a:xfrm>
-            <a:off x="3919423" y="6345542"/>
+            <a:off x="3919423" y="5912406"/>
             <a:ext cx="2927705" cy="2884756"/>
           </a:xfrm>
           <a:prstGeom prst="rect">
@@ -3200,6 +4292,234 @@
           </a:prstGeom>
         </p:spPr>
       </p:pic>
+      <p:sp>
+        <p:nvSpPr>
+          <p:cNvPr id="4" name="TextBox 3">
+            <a:extLst>
+              <a:ext uri="{FF2B5EF4-FFF2-40B4-BE49-F238E27FC236}">
+                <a16:creationId xmlns:a16="http://schemas.microsoft.com/office/drawing/2014/main" id="{E219D61F-A597-FA9D-1DB7-DDD89492B3E6}"/>
+              </a:ext>
+            </a:extLst>
+          </p:cNvPr>
+          <p:cNvSpPr txBox="1"/>
+          <p:nvPr/>
+        </p:nvSpPr>
+        <p:spPr>
+          <a:xfrm flipH="1">
+            <a:off x="1488512" y="7311746"/>
+            <a:ext cx="292160" cy="246221"/>
+          </a:xfrm>
+          <a:prstGeom prst="rect">
+            <a:avLst/>
+          </a:prstGeom>
+          <a:solidFill>
+            <a:schemeClr val="bg1"/>
+          </a:solidFill>
+        </p:spPr>
+        <p:txBody>
+          <a:bodyPr wrap="square" rtlCol="0">
+            <a:spAutoFit/>
+          </a:bodyPr>
+          <a:lstStyle/>
+          <a:p>
+            <a:r>
+              <a:rPr lang="en-GB" sz="1000" dirty="0"/>
+              <a:t>I1</a:t>
+            </a:r>
+            <a:endParaRPr lang="en-GB" sz="1100" dirty="0"/>
+          </a:p>
+        </p:txBody>
+      </p:sp>
+      <p:sp>
+        <p:nvSpPr>
+          <p:cNvPr id="11" name="TextBox 10">
+            <a:extLst>
+              <a:ext uri="{FF2B5EF4-FFF2-40B4-BE49-F238E27FC236}">
+                <a16:creationId xmlns:a16="http://schemas.microsoft.com/office/drawing/2014/main" id="{65CD4DFF-1773-F38B-BBDF-E0DC97BFF1B4}"/>
+              </a:ext>
+            </a:extLst>
+          </p:cNvPr>
+          <p:cNvSpPr txBox="1"/>
+          <p:nvPr/>
+        </p:nvSpPr>
+        <p:spPr>
+          <a:xfrm flipH="1">
+            <a:off x="1476479" y="7916568"/>
+            <a:ext cx="292160" cy="246221"/>
+          </a:xfrm>
+          <a:prstGeom prst="rect">
+            <a:avLst/>
+          </a:prstGeom>
+          <a:solidFill>
+            <a:schemeClr val="bg1"/>
+          </a:solidFill>
+        </p:spPr>
+        <p:txBody>
+          <a:bodyPr wrap="square" rtlCol="0">
+            <a:spAutoFit/>
+          </a:bodyPr>
+          <a:lstStyle/>
+          <a:p>
+            <a:r>
+              <a:rPr lang="en-GB" sz="1000" dirty="0"/>
+              <a:t>I2</a:t>
+            </a:r>
+            <a:endParaRPr lang="en-GB" sz="1200" dirty="0"/>
+          </a:p>
+        </p:txBody>
+      </p:sp>
+      <p:sp>
+        <p:nvSpPr>
+          <p:cNvPr id="13" name="TextBox 12">
+            <a:extLst>
+              <a:ext uri="{FF2B5EF4-FFF2-40B4-BE49-F238E27FC236}">
+                <a16:creationId xmlns:a16="http://schemas.microsoft.com/office/drawing/2014/main" id="{C10F0480-ED9B-20A7-2FE8-C8DB3C47AFAC}"/>
+              </a:ext>
+            </a:extLst>
+          </p:cNvPr>
+          <p:cNvSpPr txBox="1"/>
+          <p:nvPr/>
+        </p:nvSpPr>
+        <p:spPr>
+          <a:xfrm flipH="1">
+            <a:off x="2507186" y="6585841"/>
+            <a:ext cx="292160" cy="246221"/>
+          </a:xfrm>
+          <a:prstGeom prst="rect">
+            <a:avLst/>
+          </a:prstGeom>
+          <a:solidFill>
+            <a:schemeClr val="bg1"/>
+          </a:solidFill>
+        </p:spPr>
+        <p:txBody>
+          <a:bodyPr wrap="square" rtlCol="0">
+            <a:spAutoFit/>
+          </a:bodyPr>
+          <a:lstStyle/>
+          <a:p>
+            <a:r>
+              <a:rPr lang="en-GB" sz="1000" dirty="0"/>
+              <a:t>I1</a:t>
+            </a:r>
+            <a:endParaRPr lang="en-GB" sz="1200" dirty="0"/>
+          </a:p>
+        </p:txBody>
+      </p:sp>
+      <p:sp>
+        <p:nvSpPr>
+          <p:cNvPr id="14" name="TextBox 13">
+            <a:extLst>
+              <a:ext uri="{FF2B5EF4-FFF2-40B4-BE49-F238E27FC236}">
+                <a16:creationId xmlns:a16="http://schemas.microsoft.com/office/drawing/2014/main" id="{2593A99C-C8C0-91F0-46A7-D381F7C8EB12}"/>
+              </a:ext>
+            </a:extLst>
+          </p:cNvPr>
+          <p:cNvSpPr txBox="1"/>
+          <p:nvPr/>
+        </p:nvSpPr>
+        <p:spPr>
+          <a:xfrm flipH="1">
+            <a:off x="2317597" y="7427162"/>
+            <a:ext cx="292160" cy="246221"/>
+          </a:xfrm>
+          <a:prstGeom prst="rect">
+            <a:avLst/>
+          </a:prstGeom>
+          <a:solidFill>
+            <a:schemeClr val="bg1"/>
+          </a:solidFill>
+        </p:spPr>
+        <p:txBody>
+          <a:bodyPr wrap="square" rtlCol="0">
+            <a:spAutoFit/>
+          </a:bodyPr>
+          <a:lstStyle/>
+          <a:p>
+            <a:r>
+              <a:rPr lang="en-GB" sz="1000" dirty="0"/>
+              <a:t>I1</a:t>
+            </a:r>
+            <a:endParaRPr lang="en-GB" sz="1200" dirty="0"/>
+          </a:p>
+        </p:txBody>
+      </p:sp>
+      <p:sp>
+        <p:nvSpPr>
+          <p:cNvPr id="16" name="TextBox 15">
+            <a:extLst>
+              <a:ext uri="{FF2B5EF4-FFF2-40B4-BE49-F238E27FC236}">
+                <a16:creationId xmlns:a16="http://schemas.microsoft.com/office/drawing/2014/main" id="{4B17527D-AB1B-A643-D3B2-649E0148D0DA}"/>
+              </a:ext>
+            </a:extLst>
+          </p:cNvPr>
+          <p:cNvSpPr txBox="1"/>
+          <p:nvPr/>
+        </p:nvSpPr>
+        <p:spPr>
+          <a:xfrm flipH="1">
+            <a:off x="2361106" y="7712871"/>
+            <a:ext cx="292160" cy="246221"/>
+          </a:xfrm>
+          <a:prstGeom prst="rect">
+            <a:avLst/>
+          </a:prstGeom>
+          <a:solidFill>
+            <a:schemeClr val="bg1"/>
+          </a:solidFill>
+        </p:spPr>
+        <p:txBody>
+          <a:bodyPr wrap="square" rtlCol="0">
+            <a:spAutoFit/>
+          </a:bodyPr>
+          <a:lstStyle/>
+          <a:p>
+            <a:r>
+              <a:rPr lang="en-GB" sz="1000" dirty="0"/>
+              <a:t>I2</a:t>
+            </a:r>
+            <a:endParaRPr lang="en-GB" sz="1200" dirty="0"/>
+          </a:p>
+        </p:txBody>
+      </p:sp>
+      <p:sp>
+        <p:nvSpPr>
+          <p:cNvPr id="17" name="TextBox 16">
+            <a:extLst>
+              <a:ext uri="{FF2B5EF4-FFF2-40B4-BE49-F238E27FC236}">
+                <a16:creationId xmlns:a16="http://schemas.microsoft.com/office/drawing/2014/main" id="{3FB81997-3727-2EF2-8552-21FD7A564A2F}"/>
+              </a:ext>
+            </a:extLst>
+          </p:cNvPr>
+          <p:cNvSpPr txBox="1"/>
+          <p:nvPr/>
+        </p:nvSpPr>
+        <p:spPr>
+          <a:xfrm flipH="1">
+            <a:off x="2207609" y="6975973"/>
+            <a:ext cx="292160" cy="246221"/>
+          </a:xfrm>
+          <a:prstGeom prst="rect">
+            <a:avLst/>
+          </a:prstGeom>
+          <a:solidFill>
+            <a:schemeClr val="bg1"/>
+          </a:solidFill>
+        </p:spPr>
+        <p:txBody>
+          <a:bodyPr wrap="square" rtlCol="0">
+            <a:spAutoFit/>
+          </a:bodyPr>
+          <a:lstStyle/>
+          <a:p>
+            <a:r>
+              <a:rPr lang="en-GB" sz="1000" dirty="0"/>
+              <a:t>I2</a:t>
+            </a:r>
+            <a:endParaRPr lang="en-GB" sz="1200" dirty="0"/>
+          </a:p>
+        </p:txBody>
+      </p:sp>
     </p:spTree>
     <p:extLst>
       <p:ext uri="{BB962C8B-B14F-4D97-AF65-F5344CB8AC3E}">
@@ -3213,7 +4533,7 @@
 </p:sld>
 </file>
 
-<file path=ppt/slides/slide2.xml><?xml version="1.0" encoding="utf-8"?>
+<file path=ppt/slides/slide3.xml><?xml version="1.0" encoding="utf-8"?>
 <p:sld xmlns:a="http://schemas.openxmlformats.org/drawingml/2006/main" xmlns:r="http://schemas.openxmlformats.org/officeDocument/2006/relationships" xmlns:p="http://schemas.openxmlformats.org/presentationml/2006/main">
   <p:cSld>
     <p:spTree>
@@ -3322,10 +4642,10 @@
       </p:sp>
       <p:pic>
         <p:nvPicPr>
-          <p:cNvPr id="8" name="Picture 7">
+          <p:cNvPr id="3" name="Picture 2">
             <a:extLst>
               <a:ext uri="{FF2B5EF4-FFF2-40B4-BE49-F238E27FC236}">
-                <a16:creationId xmlns:a16="http://schemas.microsoft.com/office/drawing/2014/main" id="{59D1180A-5F3D-9E86-EF8C-B828FAD7749D}"/>
+                <a16:creationId xmlns:a16="http://schemas.microsoft.com/office/drawing/2014/main" id="{45FC0474-8922-3050-822F-EFF946AF6629}"/>
               </a:ext>
             </a:extLst>
           </p:cNvPr>
@@ -3342,14 +4662,268 @@
         </p:blipFill>
         <p:spPr>
           <a:xfrm>
-            <a:off x="1667528" y="4343400"/>
-            <a:ext cx="3522944" cy="5651994"/>
+            <a:off x="1999310" y="3876592"/>
+            <a:ext cx="2859380" cy="6029408"/>
           </a:xfrm>
           <a:prstGeom prst="rect">
             <a:avLst/>
           </a:prstGeom>
         </p:spPr>
       </p:pic>
+      <p:sp>
+        <p:nvSpPr>
+          <p:cNvPr id="7" name="TextBox 6">
+            <a:extLst>
+              <a:ext uri="{FF2B5EF4-FFF2-40B4-BE49-F238E27FC236}">
+                <a16:creationId xmlns:a16="http://schemas.microsoft.com/office/drawing/2014/main" id="{D863464E-07B8-7A47-911C-B6031E5C0C44}"/>
+              </a:ext>
+            </a:extLst>
+          </p:cNvPr>
+          <p:cNvSpPr txBox="1"/>
+          <p:nvPr/>
+        </p:nvSpPr>
+        <p:spPr>
+          <a:xfrm flipH="1">
+            <a:off x="1476480" y="1861441"/>
+            <a:ext cx="292160" cy="246221"/>
+          </a:xfrm>
+          <a:prstGeom prst="rect">
+            <a:avLst/>
+          </a:prstGeom>
+          <a:solidFill>
+            <a:schemeClr val="bg1"/>
+          </a:solidFill>
+        </p:spPr>
+        <p:txBody>
+          <a:bodyPr wrap="square" rtlCol="0">
+            <a:spAutoFit/>
+          </a:bodyPr>
+          <a:lstStyle/>
+          <a:p>
+            <a:r>
+              <a:rPr lang="en-GB" sz="1000" dirty="0"/>
+              <a:t>I1</a:t>
+            </a:r>
+            <a:endParaRPr lang="en-GB" sz="1100" dirty="0"/>
+          </a:p>
+        </p:txBody>
+      </p:sp>
+      <p:sp>
+        <p:nvSpPr>
+          <p:cNvPr id="9" name="TextBox 8">
+            <a:extLst>
+              <a:ext uri="{FF2B5EF4-FFF2-40B4-BE49-F238E27FC236}">
+                <a16:creationId xmlns:a16="http://schemas.microsoft.com/office/drawing/2014/main" id="{F0A661B9-7C3C-55F6-028C-E38131C20E8A}"/>
+              </a:ext>
+            </a:extLst>
+          </p:cNvPr>
+          <p:cNvSpPr txBox="1"/>
+          <p:nvPr/>
+        </p:nvSpPr>
+        <p:spPr>
+          <a:xfrm flipH="1">
+            <a:off x="1476480" y="2246721"/>
+            <a:ext cx="292160" cy="246221"/>
+          </a:xfrm>
+          <a:prstGeom prst="rect">
+            <a:avLst/>
+          </a:prstGeom>
+          <a:solidFill>
+            <a:schemeClr val="bg1"/>
+          </a:solidFill>
+        </p:spPr>
+        <p:txBody>
+          <a:bodyPr wrap="square" rtlCol="0">
+            <a:spAutoFit/>
+          </a:bodyPr>
+          <a:lstStyle/>
+          <a:p>
+            <a:r>
+              <a:rPr lang="en-GB" sz="1000" dirty="0"/>
+              <a:t>I2</a:t>
+            </a:r>
+            <a:endParaRPr lang="en-GB" sz="1200" dirty="0"/>
+          </a:p>
+        </p:txBody>
+      </p:sp>
+      <p:sp>
+        <p:nvSpPr>
+          <p:cNvPr id="10" name="TextBox 9">
+            <a:extLst>
+              <a:ext uri="{FF2B5EF4-FFF2-40B4-BE49-F238E27FC236}">
+                <a16:creationId xmlns:a16="http://schemas.microsoft.com/office/drawing/2014/main" id="{92AB755A-997F-6B4F-C496-7D0F8A559407}"/>
+              </a:ext>
+            </a:extLst>
+          </p:cNvPr>
+          <p:cNvSpPr txBox="1"/>
+          <p:nvPr/>
+        </p:nvSpPr>
+        <p:spPr>
+          <a:xfrm flipH="1">
+            <a:off x="1476480" y="2739163"/>
+            <a:ext cx="292160" cy="246221"/>
+          </a:xfrm>
+          <a:prstGeom prst="rect">
+            <a:avLst/>
+          </a:prstGeom>
+          <a:solidFill>
+            <a:schemeClr val="bg1"/>
+          </a:solidFill>
+        </p:spPr>
+        <p:txBody>
+          <a:bodyPr wrap="square" rtlCol="0">
+            <a:spAutoFit/>
+          </a:bodyPr>
+          <a:lstStyle/>
+          <a:p>
+            <a:r>
+              <a:rPr lang="en-GB" sz="1000" dirty="0"/>
+              <a:t>I1</a:t>
+            </a:r>
+            <a:endParaRPr lang="en-GB" sz="1100" dirty="0"/>
+          </a:p>
+        </p:txBody>
+      </p:sp>
+      <p:sp>
+        <p:nvSpPr>
+          <p:cNvPr id="11" name="TextBox 10">
+            <a:extLst>
+              <a:ext uri="{FF2B5EF4-FFF2-40B4-BE49-F238E27FC236}">
+                <a16:creationId xmlns:a16="http://schemas.microsoft.com/office/drawing/2014/main" id="{4D7940E9-ADAE-2187-A9AB-FA7033FD1DF1}"/>
+              </a:ext>
+            </a:extLst>
+          </p:cNvPr>
+          <p:cNvSpPr txBox="1"/>
+          <p:nvPr/>
+        </p:nvSpPr>
+        <p:spPr>
+          <a:xfrm flipH="1">
+            <a:off x="1426651" y="3184736"/>
+            <a:ext cx="292160" cy="246221"/>
+          </a:xfrm>
+          <a:prstGeom prst="rect">
+            <a:avLst/>
+          </a:prstGeom>
+          <a:solidFill>
+            <a:schemeClr val="bg1"/>
+          </a:solidFill>
+        </p:spPr>
+        <p:txBody>
+          <a:bodyPr wrap="square" rtlCol="0">
+            <a:spAutoFit/>
+          </a:bodyPr>
+          <a:lstStyle/>
+          <a:p>
+            <a:r>
+              <a:rPr lang="en-GB" sz="1000" dirty="0"/>
+              <a:t>I2</a:t>
+            </a:r>
+            <a:endParaRPr lang="en-GB" sz="1200" dirty="0"/>
+          </a:p>
+        </p:txBody>
+      </p:sp>
+      <p:sp>
+        <p:nvSpPr>
+          <p:cNvPr id="4" name="TextBox 3">
+            <a:extLst>
+              <a:ext uri="{FF2B5EF4-FFF2-40B4-BE49-F238E27FC236}">
+                <a16:creationId xmlns:a16="http://schemas.microsoft.com/office/drawing/2014/main" id="{43A6CED9-D6C3-9A32-483E-4AF50AC2A43C}"/>
+              </a:ext>
+            </a:extLst>
+          </p:cNvPr>
+          <p:cNvSpPr txBox="1"/>
+          <p:nvPr/>
+        </p:nvSpPr>
+        <p:spPr>
+          <a:xfrm>
+            <a:off x="2892800" y="2739162"/>
+            <a:ext cx="292160" cy="97929"/>
+          </a:xfrm>
+          <a:prstGeom prst="rect">
+            <a:avLst/>
+          </a:prstGeom>
+          <a:solidFill>
+            <a:schemeClr val="bg1"/>
+          </a:solidFill>
+        </p:spPr>
+        <p:txBody>
+          <a:bodyPr wrap="square" rtlCol="0">
+            <a:spAutoFit/>
+          </a:bodyPr>
+          <a:lstStyle/>
+          <a:p>
+            <a:endParaRPr lang="en-GB" dirty="0"/>
+          </a:p>
+        </p:txBody>
+      </p:sp>
+      <p:sp>
+        <p:nvSpPr>
+          <p:cNvPr id="12" name="TextBox 11">
+            <a:extLst>
+              <a:ext uri="{FF2B5EF4-FFF2-40B4-BE49-F238E27FC236}">
+                <a16:creationId xmlns:a16="http://schemas.microsoft.com/office/drawing/2014/main" id="{B1236F65-4027-93C1-FFA3-CFEAAFF52800}"/>
+              </a:ext>
+            </a:extLst>
+          </p:cNvPr>
+          <p:cNvSpPr txBox="1"/>
+          <p:nvPr/>
+        </p:nvSpPr>
+        <p:spPr>
+          <a:xfrm>
+            <a:off x="2899120" y="2985384"/>
+            <a:ext cx="292160" cy="97929"/>
+          </a:xfrm>
+          <a:prstGeom prst="rect">
+            <a:avLst/>
+          </a:prstGeom>
+          <a:solidFill>
+            <a:schemeClr val="bg1"/>
+          </a:solidFill>
+        </p:spPr>
+        <p:txBody>
+          <a:bodyPr wrap="square" rtlCol="0">
+            <a:spAutoFit/>
+          </a:bodyPr>
+          <a:lstStyle/>
+          <a:p>
+            <a:endParaRPr lang="en-GB" dirty="0"/>
+          </a:p>
+        </p:txBody>
+      </p:sp>
+      <p:sp>
+        <p:nvSpPr>
+          <p:cNvPr id="13" name="TextBox 12">
+            <a:extLst>
+              <a:ext uri="{FF2B5EF4-FFF2-40B4-BE49-F238E27FC236}">
+                <a16:creationId xmlns:a16="http://schemas.microsoft.com/office/drawing/2014/main" id="{736B2E94-08F0-9F3B-26D2-5B2B2C4F946E}"/>
+              </a:ext>
+            </a:extLst>
+          </p:cNvPr>
+          <p:cNvSpPr txBox="1"/>
+          <p:nvPr/>
+        </p:nvSpPr>
+        <p:spPr>
+          <a:xfrm>
+            <a:off x="2767377" y="3581825"/>
+            <a:ext cx="292160" cy="97929"/>
+          </a:xfrm>
+          <a:prstGeom prst="rect">
+            <a:avLst/>
+          </a:prstGeom>
+          <a:solidFill>
+            <a:schemeClr val="bg1"/>
+          </a:solidFill>
+        </p:spPr>
+        <p:txBody>
+          <a:bodyPr wrap="square" rtlCol="0">
+            <a:spAutoFit/>
+          </a:bodyPr>
+          <a:lstStyle/>
+          <a:p>
+            <a:endParaRPr lang="en-GB" dirty="0"/>
+          </a:p>
+        </p:txBody>
+      </p:sp>
     </p:spTree>
     <p:extLst>
       <p:ext uri="{BB962C8B-B14F-4D97-AF65-F5344CB8AC3E}">
@@ -3625,6 +5199,21 @@
 </file>
 
 <file path=customXml/item1.xml><?xml version="1.0" encoding="utf-8"?>
+<p:properties xmlns:p="http://schemas.microsoft.com/office/2006/metadata/properties" xmlns:xsi="http://www.w3.org/2001/XMLSchema-instance" xmlns:pc="http://schemas.microsoft.com/office/infopath/2007/PartnerControls">
+  <documentManagement/>
+</p:properties>
+</file>
+
+<file path=customXml/item2.xml><?xml version="1.0" encoding="utf-8"?>
+<?mso-contentType ?>
+<FormTemplates xmlns="http://schemas.microsoft.com/sharepoint/v3/contenttype/forms">
+  <Display>DocumentLibraryForm</Display>
+  <Edit>DocumentLibraryForm</Edit>
+  <New>DocumentLibraryForm</New>
+</FormTemplates>
+</file>
+
+<file path=customXml/item3.xml><?xml version="1.0" encoding="utf-8"?>
 <ct:contentTypeSchema xmlns:ct="http://schemas.microsoft.com/office/2006/metadata/contentType" xmlns:ma="http://schemas.microsoft.com/office/2006/metadata/properties/metaAttributes" ct:_="" ma:_="" ma:contentTypeName="Document" ma:contentTypeID="0x010100F65DE68C686F494EACFDF896D3C77E85" ma:contentTypeVersion="9" ma:contentTypeDescription="Create a new document." ma:contentTypeScope="" ma:versionID="5bde489fce4afe2ee5121e54bea7f6cd">
   <xsd:schema xmlns:xsd="http://www.w3.org/2001/XMLSchema" xmlns:xs="http://www.w3.org/2001/XMLSchema" xmlns:p="http://schemas.microsoft.com/office/2006/metadata/properties" xmlns:ns3="535c38fa-c53a-4bf9-892c-458c56ce39a2" xmlns:ns4="12fdb591-3096-4adf-bd49-26d0ffa1211b" targetNamespace="http://schemas.microsoft.com/office/2006/metadata/properties" ma:root="true" ma:fieldsID="eff4924a446a1edbca7fae862124aeba" ns3:_="" ns4:_="">
     <xsd:import namespace="535c38fa-c53a-4bf9-892c-458c56ce39a2"/>
@@ -3821,22 +5410,32 @@
 </ct:contentTypeSchema>
 </file>
 
-<file path=customXml/item2.xml><?xml version="1.0" encoding="utf-8"?>
-<?mso-contentType ?>
-<FormTemplates xmlns="http://schemas.microsoft.com/sharepoint/v3/contenttype/forms">
-  <Display>DocumentLibraryForm</Display>
-  <Edit>DocumentLibraryForm</Edit>
-  <New>DocumentLibraryForm</New>
-</FormTemplates>
+<file path=customXml/itemProps1.xml><?xml version="1.0" encoding="utf-8"?>
+<ds:datastoreItem xmlns:ds="http://schemas.openxmlformats.org/officeDocument/2006/customXml" ds:itemID="{35DD8668-721F-4E41-B142-1A38E43269EB}">
+  <ds:schemaRefs>
+    <ds:schemaRef ds:uri="http://schemas.microsoft.com/office/2006/metadata/properties"/>
+    <ds:schemaRef ds:uri="http://purl.org/dc/dcmitype/"/>
+    <ds:schemaRef ds:uri="http://purl.org/dc/elements/1.1/"/>
+    <ds:schemaRef ds:uri="535c38fa-c53a-4bf9-892c-458c56ce39a2"/>
+    <ds:schemaRef ds:uri="http://schemas.openxmlformats.org/package/2006/metadata/core-properties"/>
+    <ds:schemaRef ds:uri="12fdb591-3096-4adf-bd49-26d0ffa1211b"/>
+    <ds:schemaRef ds:uri="http://schemas.microsoft.com/office/2006/documentManagement/types"/>
+    <ds:schemaRef ds:uri="http://purl.org/dc/terms/"/>
+    <ds:schemaRef ds:uri="http://schemas.microsoft.com/office/infopath/2007/PartnerControls"/>
+    <ds:schemaRef ds:uri="http://www.w3.org/XML/1998/namespace"/>
+  </ds:schemaRefs>
+</ds:datastoreItem>
 </file>
 
-<file path=customXml/item3.xml><?xml version="1.0" encoding="utf-8"?>
-<p:properties xmlns:p="http://schemas.microsoft.com/office/2006/metadata/properties" xmlns:xsi="http://www.w3.org/2001/XMLSchema-instance" xmlns:pc="http://schemas.microsoft.com/office/infopath/2007/PartnerControls">
-  <documentManagement/>
-</p:properties>
+<file path=customXml/itemProps2.xml><?xml version="1.0" encoding="utf-8"?>
+<ds:datastoreItem xmlns:ds="http://schemas.openxmlformats.org/officeDocument/2006/customXml" ds:itemID="{1BC4AD2A-89E1-48E4-86D2-E18712A54DA9}">
+  <ds:schemaRefs>
+    <ds:schemaRef ds:uri="http://schemas.microsoft.com/sharepoint/v3/contenttype/forms"/>
+  </ds:schemaRefs>
+</ds:datastoreItem>
 </file>
 
-<file path=customXml/itemProps1.xml><?xml version="1.0" encoding="utf-8"?>
+<file path=customXml/itemProps3.xml><?xml version="1.0" encoding="utf-8"?>
 <ds:datastoreItem xmlns:ds="http://schemas.openxmlformats.org/officeDocument/2006/customXml" ds:itemID="{0316D3D7-C83C-43CC-8895-F3F9E2EF2473}">
   <ds:schemaRefs>
     <ds:schemaRef ds:uri="http://schemas.microsoft.com/office/2006/metadata/contentType"/>
@@ -3853,29 +5452,4 @@
     <ds:schemaRef ds:uri="http://schemas.microsoft.com/internal/obd"/>
   </ds:schemaRefs>
 </ds:datastoreItem>
-</file>
-
-<file path=customXml/itemProps2.xml><?xml version="1.0" encoding="utf-8"?>
-<ds:datastoreItem xmlns:ds="http://schemas.openxmlformats.org/officeDocument/2006/customXml" ds:itemID="{1BC4AD2A-89E1-48E4-86D2-E18712A54DA9}">
-  <ds:schemaRefs>
-    <ds:schemaRef ds:uri="http://schemas.microsoft.com/sharepoint/v3/contenttype/forms"/>
-  </ds:schemaRefs>
-</ds:datastoreItem>
-</file>
-
-<file path=customXml/itemProps3.xml><?xml version="1.0" encoding="utf-8"?>
-<ds:datastoreItem xmlns:ds="http://schemas.openxmlformats.org/officeDocument/2006/customXml" ds:itemID="{35DD8668-721F-4E41-B142-1A38E43269EB}">
-  <ds:schemaRefs>
-    <ds:schemaRef ds:uri="http://purl.org/dc/elements/1.1/"/>
-    <ds:schemaRef ds:uri="http://schemas.microsoft.com/office/2006/metadata/properties"/>
-    <ds:schemaRef ds:uri="535c38fa-c53a-4bf9-892c-458c56ce39a2"/>
-    <ds:schemaRef ds:uri="http://purl.org/dc/terms/"/>
-    <ds:schemaRef ds:uri="http://schemas.openxmlformats.org/package/2006/metadata/core-properties"/>
-    <ds:schemaRef ds:uri="http://schemas.microsoft.com/office/2006/documentManagement/types"/>
-    <ds:schemaRef ds:uri="http://schemas.microsoft.com/office/infopath/2007/PartnerControls"/>
-    <ds:schemaRef ds:uri="12fdb591-3096-4adf-bd49-26d0ffa1211b"/>
-    <ds:schemaRef ds:uri="http://www.w3.org/XML/1998/namespace"/>
-    <ds:schemaRef ds:uri="http://purl.org/dc/dcmitype/"/>
-  </ds:schemaRefs>
-</ds:datastoreItem>
 </file>
--- a/Definition_file_exmple.pptx
+++ b/Definition_file_exmple.pptx
@@ -245,7 +245,7 @@
           <a:p>
             <a:fld id="{6C301211-EBE6-4B7E-A724-3791FD54D0AA}" type="datetimeFigureOut">
               <a:rPr lang="en-GB" smtClean="0"/>
-              <a:t>03/06/2022</a:t>
+              <a:t>10/06/2022</a:t>
             </a:fld>
             <a:endParaRPr lang="en-GB"/>
           </a:p>
@@ -415,7 +415,7 @@
           <a:p>
             <a:fld id="{6C301211-EBE6-4B7E-A724-3791FD54D0AA}" type="datetimeFigureOut">
               <a:rPr lang="en-GB" smtClean="0"/>
-              <a:t>03/06/2022</a:t>
+              <a:t>10/06/2022</a:t>
             </a:fld>
             <a:endParaRPr lang="en-GB"/>
           </a:p>
@@ -595,7 +595,7 @@
           <a:p>
             <a:fld id="{6C301211-EBE6-4B7E-A724-3791FD54D0AA}" type="datetimeFigureOut">
               <a:rPr lang="en-GB" smtClean="0"/>
-              <a:t>03/06/2022</a:t>
+              <a:t>10/06/2022</a:t>
             </a:fld>
             <a:endParaRPr lang="en-GB"/>
           </a:p>
@@ -765,7 +765,7 @@
           <a:p>
             <a:fld id="{6C301211-EBE6-4B7E-A724-3791FD54D0AA}" type="datetimeFigureOut">
               <a:rPr lang="en-GB" smtClean="0"/>
-              <a:t>03/06/2022</a:t>
+              <a:t>10/06/2022</a:t>
             </a:fld>
             <a:endParaRPr lang="en-GB"/>
           </a:p>
@@ -1009,7 +1009,7 @@
           <a:p>
             <a:fld id="{6C301211-EBE6-4B7E-A724-3791FD54D0AA}" type="datetimeFigureOut">
               <a:rPr lang="en-GB" smtClean="0"/>
-              <a:t>03/06/2022</a:t>
+              <a:t>10/06/2022</a:t>
             </a:fld>
             <a:endParaRPr lang="en-GB"/>
           </a:p>
@@ -1241,7 +1241,7 @@
           <a:p>
             <a:fld id="{6C301211-EBE6-4B7E-A724-3791FD54D0AA}" type="datetimeFigureOut">
               <a:rPr lang="en-GB" smtClean="0"/>
-              <a:t>03/06/2022</a:t>
+              <a:t>10/06/2022</a:t>
             </a:fld>
             <a:endParaRPr lang="en-GB"/>
           </a:p>
@@ -1608,7 +1608,7 @@
           <a:p>
             <a:fld id="{6C301211-EBE6-4B7E-A724-3791FD54D0AA}" type="datetimeFigureOut">
               <a:rPr lang="en-GB" smtClean="0"/>
-              <a:t>03/06/2022</a:t>
+              <a:t>10/06/2022</a:t>
             </a:fld>
             <a:endParaRPr lang="en-GB"/>
           </a:p>
@@ -1726,7 +1726,7 @@
           <a:p>
             <a:fld id="{6C301211-EBE6-4B7E-A724-3791FD54D0AA}" type="datetimeFigureOut">
               <a:rPr lang="en-GB" smtClean="0"/>
-              <a:t>03/06/2022</a:t>
+              <a:t>10/06/2022</a:t>
             </a:fld>
             <a:endParaRPr lang="en-GB"/>
           </a:p>
@@ -1821,7 +1821,7 @@
           <a:p>
             <a:fld id="{6C301211-EBE6-4B7E-A724-3791FD54D0AA}" type="datetimeFigureOut">
               <a:rPr lang="en-GB" smtClean="0"/>
-              <a:t>03/06/2022</a:t>
+              <a:t>10/06/2022</a:t>
             </a:fld>
             <a:endParaRPr lang="en-GB"/>
           </a:p>
@@ -2098,7 +2098,7 @@
           <a:p>
             <a:fld id="{6C301211-EBE6-4B7E-A724-3791FD54D0AA}" type="datetimeFigureOut">
               <a:rPr lang="en-GB" smtClean="0"/>
-              <a:t>03/06/2022</a:t>
+              <a:t>10/06/2022</a:t>
             </a:fld>
             <a:endParaRPr lang="en-GB"/>
           </a:p>
@@ -2355,7 +2355,7 @@
           <a:p>
             <a:fld id="{6C301211-EBE6-4B7E-A724-3791FD54D0AA}" type="datetimeFigureOut">
               <a:rPr lang="en-GB" smtClean="0"/>
-              <a:t>03/06/2022</a:t>
+              <a:t>10/06/2022</a:t>
             </a:fld>
             <a:endParaRPr lang="en-GB"/>
           </a:p>
@@ -2568,7 +2568,7 @@
           <a:p>
             <a:fld id="{6C301211-EBE6-4B7E-A724-3791FD54D0AA}" type="datetimeFigureOut">
               <a:rPr lang="en-GB" smtClean="0"/>
-              <a:t>03/06/2022</a:t>
+              <a:t>10/06/2022</a:t>
             </a:fld>
             <a:endParaRPr lang="en-GB"/>
           </a:p>
@@ -2973,6 +2973,42 @@
           <a:chExt cx="0" cy="0"/>
         </a:xfrm>
       </p:grpSpPr>
+      <p:pic>
+        <p:nvPicPr>
+          <p:cNvPr id="4" name="Picture 3" descr="Chart, box and whisker chart&#10;&#10;Description automatically generated">
+            <a:extLst>
+              <a:ext uri="{FF2B5EF4-FFF2-40B4-BE49-F238E27FC236}">
+                <a16:creationId xmlns:a16="http://schemas.microsoft.com/office/drawing/2014/main" id="{90BADDF2-966F-EAAE-BE2A-5C55D5AFE454}"/>
+              </a:ext>
+            </a:extLst>
+          </p:cNvPr>
+          <p:cNvPicPr>
+            <a:picLocks noChangeAspect="1"/>
+          </p:cNvPicPr>
+          <p:nvPr/>
+        </p:nvPicPr>
+        <p:blipFill>
+          <a:blip r:embed="rId2">
+            <a:extLst>
+              <a:ext uri="{28A0092B-C50C-407E-A947-70E740481C1C}">
+                <a14:useLocalDpi xmlns:a14="http://schemas.microsoft.com/office/drawing/2010/main" val="0"/>
+              </a:ext>
+            </a:extLst>
+          </a:blip>
+          <a:stretch>
+            <a:fillRect/>
+          </a:stretch>
+        </p:blipFill>
+        <p:spPr>
+          <a:xfrm>
+            <a:off x="148900" y="1742763"/>
+            <a:ext cx="6603595" cy="3604204"/>
+          </a:xfrm>
+          <a:prstGeom prst="rect">
+            <a:avLst/>
+          </a:prstGeom>
+        </p:spPr>
+      </p:pic>
       <p:sp>
         <p:nvSpPr>
           <p:cNvPr id="2" name="Title 1">
@@ -3022,8 +3058,8 @@
         </p:nvSpPr>
         <p:spPr>
           <a:xfrm>
-            <a:off x="265556" y="702366"/>
-            <a:ext cx="5220844" cy="1169551"/>
+            <a:off x="265555" y="664266"/>
+            <a:ext cx="5797471" cy="1261884"/>
           </a:xfrm>
           <a:prstGeom prst="rect">
             <a:avLst/>
@@ -3037,7 +3073,7 @@
           <a:lstStyle/>
           <a:p>
             <a:r>
-              <a:rPr lang="en-GB" sz="1200" b="1" dirty="0"/>
+              <a:rPr lang="en-GB" sz="1100" b="1" dirty="0"/>
               <a:t>STEP 1: Getting Started</a:t>
             </a:r>
           </a:p>
@@ -3047,8 +3083,16 @@
               <a:buAutoNum type="arabicPeriod"/>
             </a:pPr>
             <a:r>
-              <a:rPr lang="en-GB" sz="1200" b="1" dirty="0"/>
-              <a:t>Navigate to the ‘logsim’ directory using the command line</a:t>
+              <a:rPr lang="en-GB" sz="1100" b="1" dirty="0"/>
+              <a:t>Navigate to the ‘</a:t>
+            </a:r>
+            <a:r>
+              <a:rPr lang="en-US" altLang="zh-CN" sz="1100" b="1" dirty="0"/>
+              <a:t>final</a:t>
+            </a:r>
+            <a:r>
+              <a:rPr lang="en-GB" sz="1100" b="1" dirty="0"/>
+              <a:t>’ directory using the command line</a:t>
             </a:r>
           </a:p>
           <a:p>
@@ -3057,8 +3101,8 @@
               <a:buAutoNum type="arabicPeriod"/>
             </a:pPr>
             <a:r>
-              <a:rPr lang="en-GB" sz="1200" b="1" dirty="0"/>
-              <a:t>Type ‘python logsim.py’ + definition file name (Definition_Ex3.txt can be used for illustration)</a:t>
+              <a:rPr lang="en-GB" sz="1100" b="1" dirty="0"/>
+              <a:t>Type ‘python3 logsim.py’ + definition file name (Definition_Ex3.txt can be used for illustration)</a:t>
             </a:r>
           </a:p>
           <a:p>
@@ -3067,8 +3111,18 @@
               <a:buAutoNum type="arabicPeriod"/>
             </a:pPr>
             <a:r>
-              <a:rPr lang="en-GB" sz="1200" b="1" dirty="0"/>
-              <a:t>press ENTER</a:t>
+              <a:rPr lang="en-GB" sz="1100" b="1" dirty="0"/>
+              <a:t>press ENTER with start the GUI with default language (English) according to the system</a:t>
+            </a:r>
+          </a:p>
+          <a:p>
+            <a:pPr marL="228600" indent="-228600">
+              <a:buFont typeface="+mj-lt"/>
+              <a:buAutoNum type="arabicPeriod"/>
+            </a:pPr>
+            <a:r>
+              <a:rPr lang="en-GB" sz="1100" b="1" dirty="0"/>
+              <a:t>For Simplified Chinese version: Type ‘LANG=zh_CN python3 logsim.py’ + definition file name</a:t>
             </a:r>
           </a:p>
           <a:p>
@@ -3076,36 +3130,6 @@
           </a:p>
         </p:txBody>
       </p:sp>
-      <p:pic>
-        <p:nvPicPr>
-          <p:cNvPr id="10" name="Picture 9">
-            <a:extLst>
-              <a:ext uri="{FF2B5EF4-FFF2-40B4-BE49-F238E27FC236}">
-                <a16:creationId xmlns:a16="http://schemas.microsoft.com/office/drawing/2014/main" id="{54C1197E-B04A-D8D0-C2D6-47F0D17BC6A0}"/>
-              </a:ext>
-            </a:extLst>
-          </p:cNvPr>
-          <p:cNvPicPr>
-            <a:picLocks noChangeAspect="1"/>
-          </p:cNvPicPr>
-          <p:nvPr/>
-        </p:nvPicPr>
-        <p:blipFill>
-          <a:blip r:embed="rId2"/>
-          <a:stretch>
-            <a:fillRect/>
-          </a:stretch>
-        </p:blipFill>
-        <p:spPr>
-          <a:xfrm>
-            <a:off x="265556" y="1725017"/>
-            <a:ext cx="5989983" cy="5225468"/>
-          </a:xfrm>
-          <a:prstGeom prst="rect">
-            <a:avLst/>
-          </a:prstGeom>
-        </p:spPr>
-      </p:pic>
       <p:sp>
         <p:nvSpPr>
           <p:cNvPr id="11" name="TextBox 10">
@@ -3120,8 +3144,8 @@
         </p:nvSpPr>
         <p:spPr>
           <a:xfrm>
-            <a:off x="221784" y="7378848"/>
-            <a:ext cx="5220844" cy="461665"/>
+            <a:off x="187000" y="5845032"/>
+            <a:ext cx="5220844" cy="430887"/>
           </a:xfrm>
           <a:prstGeom prst="rect">
             <a:avLst/>
@@ -3135,12 +3159,12 @@
           <a:lstStyle/>
           <a:p>
             <a:r>
-              <a:rPr lang="en-GB" sz="1400" b="1" dirty="0"/>
+              <a:rPr lang="en-GB" sz="1200" b="1" dirty="0"/>
               <a:t>STEP 2: GUI Familiarisation (see Figure 1) </a:t>
             </a:r>
           </a:p>
           <a:p>
-            <a:endParaRPr lang="en-GB" sz="1000" dirty="0"/>
+            <a:endParaRPr lang="en-GB" sz="900" dirty="0"/>
           </a:p>
         </p:txBody>
       </p:sp>
@@ -3158,7 +3182,7 @@
         </p:nvSpPr>
         <p:spPr>
           <a:xfrm>
-            <a:off x="2494945" y="6950485"/>
+            <a:off x="2401146" y="5383367"/>
             <a:ext cx="1868109" cy="461665"/>
           </a:xfrm>
           <a:prstGeom prst="rect">
@@ -3196,7 +3220,7 @@
         </p:nvSpPr>
         <p:spPr>
           <a:xfrm>
-            <a:off x="3278263" y="5906569"/>
+            <a:off x="3358872" y="4558534"/>
             <a:ext cx="2673675" cy="615553"/>
           </a:xfrm>
           <a:prstGeom prst="rect">
@@ -3241,7 +3265,7 @@
         </p:nvSpPr>
         <p:spPr>
           <a:xfrm>
-            <a:off x="2833573" y="4592245"/>
+            <a:off x="3543462" y="2906618"/>
             <a:ext cx="2953616" cy="615553"/>
           </a:xfrm>
           <a:prstGeom prst="rect">
@@ -3286,7 +3310,7 @@
         </p:nvSpPr>
         <p:spPr>
           <a:xfrm>
-            <a:off x="4615101" y="3403132"/>
+            <a:off x="3982099" y="3760386"/>
             <a:ext cx="871299" cy="530915"/>
           </a:xfrm>
           <a:prstGeom prst="rect">
@@ -3330,7 +3354,7 @@
         </p:nvSpPr>
         <p:spPr>
           <a:xfrm>
-            <a:off x="5360177" y="3995172"/>
+            <a:off x="2634781" y="3986428"/>
             <a:ext cx="871299" cy="530915"/>
           </a:xfrm>
           <a:prstGeom prst="rect">
@@ -3374,8 +3398,8 @@
         </p:nvSpPr>
         <p:spPr>
           <a:xfrm>
-            <a:off x="1891953" y="3464257"/>
-            <a:ext cx="871299" cy="692497"/>
+            <a:off x="1751165" y="3147454"/>
+            <a:ext cx="871299" cy="507831"/>
           </a:xfrm>
           <a:prstGeom prst="rect">
             <a:avLst/>
@@ -3389,7 +3413,7 @@
           <a:lstStyle/>
           <a:p>
             <a:r>
-              <a:rPr lang="en-GB" sz="1050" b="1" dirty="0">
+              <a:rPr lang="en-GB" sz="900" b="1" dirty="0">
                 <a:solidFill>
                   <a:schemeClr val="accent2">
                     <a:lumMod val="75000"/>
@@ -3418,8 +3442,8 @@
         </p:nvSpPr>
         <p:spPr>
           <a:xfrm>
-            <a:off x="3648564" y="1847268"/>
-            <a:ext cx="1212194" cy="530915"/>
+            <a:off x="2926132" y="2017610"/>
+            <a:ext cx="1212194" cy="507831"/>
           </a:xfrm>
           <a:prstGeom prst="rect">
             <a:avLst/>
@@ -3433,7 +3457,7 @@
           <a:lstStyle/>
           <a:p>
             <a:r>
-              <a:rPr lang="en-GB" sz="1050" b="1" dirty="0">
+              <a:rPr lang="en-GB" sz="900" b="1" dirty="0">
                 <a:solidFill>
                   <a:schemeClr val="accent2">
                     <a:lumMod val="75000"/>
@@ -3464,7 +3488,7 @@
         </p:nvCxnSpPr>
         <p:spPr>
           <a:xfrm>
-            <a:off x="4673161" y="2027049"/>
+            <a:off x="3888301" y="2128928"/>
             <a:ext cx="187597" cy="171352"/>
           </a:xfrm>
           <a:prstGeom prst="straightConnector1">
@@ -3503,8 +3527,8 @@
         </p:nvSpPr>
         <p:spPr>
           <a:xfrm>
-            <a:off x="679759" y="2198401"/>
-            <a:ext cx="1212194" cy="530915"/>
+            <a:off x="400489" y="2086491"/>
+            <a:ext cx="1212194" cy="507831"/>
           </a:xfrm>
           <a:prstGeom prst="rect">
             <a:avLst/>
@@ -3518,7 +3542,7 @@
           <a:lstStyle/>
           <a:p>
             <a:r>
-              <a:rPr lang="en-GB" sz="1050" b="1" dirty="0">
+              <a:rPr lang="en-GB" sz="900" b="1" dirty="0">
                 <a:solidFill>
                   <a:schemeClr val="accent2">
                     <a:lumMod val="75000"/>
@@ -3547,8 +3571,8 @@
         </p:nvSpPr>
         <p:spPr>
           <a:xfrm>
-            <a:off x="1093962" y="2590967"/>
-            <a:ext cx="1212194" cy="692497"/>
+            <a:off x="713310" y="2354153"/>
+            <a:ext cx="1212194" cy="646331"/>
           </a:xfrm>
           <a:prstGeom prst="rect">
             <a:avLst/>
@@ -3562,7 +3586,7 @@
           <a:lstStyle/>
           <a:p>
             <a:r>
-              <a:rPr lang="en-GB" sz="1050" b="1" dirty="0">
+              <a:rPr lang="en-GB" sz="900" b="1" dirty="0">
                 <a:solidFill>
                   <a:schemeClr val="accent2">
                     <a:lumMod val="75000"/>
@@ -3574,7 +3598,7 @@
           </a:p>
           <a:p>
             <a:r>
-              <a:rPr lang="en-GB" sz="1050" b="1" dirty="0">
+              <a:rPr lang="en-GB" sz="900" b="1" dirty="0">
                 <a:solidFill>
                   <a:schemeClr val="accent2">
                     <a:lumMod val="75000"/>
@@ -3603,7 +3627,7 @@
         </p:nvSpPr>
         <p:spPr>
           <a:xfrm>
-            <a:off x="602461" y="3750805"/>
+            <a:off x="188779" y="3187008"/>
             <a:ext cx="1212194" cy="253916"/>
           </a:xfrm>
           <a:prstGeom prst="rect">
@@ -3661,7 +3685,7 @@
         </p:nvSpPr>
         <p:spPr>
           <a:xfrm>
-            <a:off x="602461" y="5055336"/>
+            <a:off x="124408" y="3934047"/>
             <a:ext cx="1340935" cy="253916"/>
           </a:xfrm>
           <a:prstGeom prst="rect">
@@ -3719,8 +3743,8 @@
         </p:nvSpPr>
         <p:spPr>
           <a:xfrm>
-            <a:off x="430969" y="6013265"/>
-            <a:ext cx="2063976" cy="338554"/>
+            <a:off x="207977" y="5398250"/>
+            <a:ext cx="1631665" cy="276999"/>
           </a:xfrm>
           <a:prstGeom prst="rect">
             <a:avLst/>
@@ -3734,7 +3758,7 @@
           <a:lstStyle/>
           <a:p>
             <a:r>
-              <a:rPr lang="en-GB" sz="1600" b="1" dirty="0">
+              <a:rPr lang="en-GB" sz="1200" b="1" dirty="0">
                 <a:solidFill>
                   <a:schemeClr val="accent2">
                     <a:lumMod val="75000"/>
@@ -3744,7 +3768,7 @@
               </a:rPr>
               <a:t>Input panel</a:t>
             </a:r>
-            <a:endParaRPr lang="en-GB" dirty="0">
+            <a:endParaRPr lang="en-GB" sz="1400" dirty="0">
               <a:latin typeface="Arial Black" panose="020B0A04020102020204" pitchFamily="34" charset="0"/>
             </a:endParaRPr>
           </a:p>
@@ -3764,8 +3788,8 @@
         </p:nvSpPr>
         <p:spPr>
           <a:xfrm>
-            <a:off x="221783" y="7692330"/>
-            <a:ext cx="5408989" cy="1277273"/>
+            <a:off x="187000" y="6107266"/>
+            <a:ext cx="5408989" cy="1169551"/>
           </a:xfrm>
           <a:prstGeom prst="rect">
             <a:avLst/>
@@ -3779,7 +3803,7 @@
           <a:lstStyle/>
           <a:p>
             <a:r>
-              <a:rPr lang="en-GB" sz="1400" b="1" dirty="0"/>
+              <a:rPr lang="en-GB" sz="1200" b="1" dirty="0"/>
               <a:t>STEP 3: Set the Input</a:t>
             </a:r>
           </a:p>
@@ -3789,7 +3813,7 @@
               <a:buAutoNum type="arabicPeriod"/>
             </a:pPr>
             <a:r>
-              <a:rPr lang="en-GB" sz="1400" b="1" dirty="0"/>
+              <a:rPr lang="en-GB" sz="1200" b="1" dirty="0"/>
               <a:t>For each switch: set the initial input (0 or 1) by clicking the button</a:t>
             </a:r>
           </a:p>
@@ -3799,7 +3823,7 @@
               <a:buAutoNum type="arabicPeriod"/>
             </a:pPr>
             <a:r>
-              <a:rPr lang="en-GB" sz="1400" b="1" dirty="0"/>
+              <a:rPr lang="en-GB" sz="1200" b="1" dirty="0"/>
               <a:t>Choose the devices that need to be monitored </a:t>
             </a:r>
           </a:p>
@@ -3809,13 +3833,13 @@
               <a:buAutoNum type="arabicPeriod"/>
             </a:pPr>
             <a:r>
-              <a:rPr lang="en-GB" sz="1400" b="1" dirty="0"/>
+              <a:rPr lang="en-GB" sz="1200" b="1" dirty="0"/>
               <a:t>Set a time scale by typing or choosing the cycle number</a:t>
             </a:r>
           </a:p>
           <a:p>
             <a:r>
-              <a:rPr lang="en-GB" sz="1100" b="1" dirty="0"/>
+              <a:rPr lang="en-GB" sz="1200" b="1" dirty="0"/>
               <a:t>(All default values can be set in the definition file)</a:t>
             </a:r>
           </a:p>
@@ -3838,8 +3862,8 @@
         </p:nvSpPr>
         <p:spPr>
           <a:xfrm>
-            <a:off x="238457" y="8810131"/>
-            <a:ext cx="5824570" cy="1277273"/>
+            <a:off x="215597" y="7127532"/>
+            <a:ext cx="5824570" cy="1200329"/>
           </a:xfrm>
           <a:prstGeom prst="rect">
             <a:avLst/>
@@ -3853,7 +3877,7 @@
           <a:lstStyle/>
           <a:p>
             <a:r>
-              <a:rPr lang="en-GB" sz="1400" b="1" dirty="0"/>
+              <a:rPr lang="en-GB" sz="1200" b="1" dirty="0"/>
               <a:t>STEP 4: Run the Simulation</a:t>
             </a:r>
           </a:p>
@@ -3863,7 +3887,7 @@
               <a:buAutoNum type="arabicPeriod"/>
             </a:pPr>
             <a:r>
-              <a:rPr lang="en-GB" sz="1400" b="1" dirty="0"/>
+              <a:rPr lang="en-GB" sz="1200" b="1" dirty="0"/>
               <a:t>Click ‘Run’ button when you are ready</a:t>
             </a:r>
           </a:p>
@@ -3873,8 +3897,8 @@
               <a:buAutoNum type="arabicPeriod"/>
             </a:pPr>
             <a:r>
-              <a:rPr lang="en-GB" sz="1400" b="1" dirty="0"/>
-              <a:t>Use ‘Clear’ button to clear the canvas and the loaded file</a:t>
+              <a:rPr lang="en-GB" sz="1200" b="1" dirty="0"/>
+              <a:t>Use ‘Clear Text Box’ button to clear the loaded file</a:t>
             </a:r>
           </a:p>
           <a:p>
@@ -3883,15 +3907,15 @@
               <a:buAutoNum type="arabicPeriod"/>
             </a:pPr>
             <a:r>
-              <a:rPr lang="en-GB" sz="1400" b="1" dirty="0"/>
+              <a:rPr lang="en-GB" sz="1200" b="1" dirty="0"/>
               <a:t>Drag or zoom the output traces using the mouse and mouse wheel</a:t>
             </a:r>
           </a:p>
           <a:p>
-            <a:endParaRPr lang="en-GB" sz="1100" b="1" dirty="0"/>
-          </a:p>
-          <a:p>
-            <a:endParaRPr lang="en-GB" sz="1000" dirty="0"/>
+            <a:endParaRPr lang="en-GB" sz="1200" b="1" dirty="0"/>
+          </a:p>
+          <a:p>
+            <a:endParaRPr lang="en-GB" sz="1200" dirty="0"/>
           </a:p>
         </p:txBody>
       </p:sp>
@@ -3909,8 +3933,8 @@
         </p:nvSpPr>
         <p:spPr>
           <a:xfrm>
-            <a:off x="1250344" y="1687680"/>
-            <a:ext cx="1386103" cy="692497"/>
+            <a:off x="995195" y="1748353"/>
+            <a:ext cx="1386103" cy="646331"/>
           </a:xfrm>
           <a:prstGeom prst="rect">
             <a:avLst/>
@@ -3924,7 +3948,7 @@
           <a:lstStyle/>
           <a:p>
             <a:r>
-              <a:rPr lang="en-GB" sz="1050" b="1" dirty="0">
+              <a:rPr lang="en-GB" sz="900" b="1" dirty="0">
                 <a:solidFill>
                   <a:schemeClr val="accent2">
                     <a:lumMod val="75000"/>
@@ -3955,7 +3979,7 @@
         </p:nvCxnSpPr>
         <p:spPr>
           <a:xfrm flipH="1">
-            <a:off x="517358" y="1986314"/>
+            <a:off x="330496" y="1925354"/>
             <a:ext cx="732986" cy="0"/>
           </a:xfrm>
           <a:prstGeom prst="straightConnector1">
@@ -3980,12 +4004,53 @@
           </a:fontRef>
         </p:style>
       </p:cxnSp>
-      <p:sp>
-        <p:nvSpPr>
-          <p:cNvPr id="36" name="TextBox 35">
+      <p:cxnSp>
+        <p:nvCxnSpPr>
+          <p:cNvPr id="34" name="Straight Arrow Connector 33">
             <a:extLst>
               <a:ext uri="{FF2B5EF4-FFF2-40B4-BE49-F238E27FC236}">
-                <a16:creationId xmlns:a16="http://schemas.microsoft.com/office/drawing/2014/main" id="{D439D5FF-E215-89E9-FFC5-83011ECA9305}"/>
+                <a16:creationId xmlns:a16="http://schemas.microsoft.com/office/drawing/2014/main" id="{ED88A707-0886-29A4-D931-B37940E95B17}"/>
+              </a:ext>
+            </a:extLst>
+          </p:cNvPr>
+          <p:cNvCxnSpPr>
+            <a:cxnSpLocks/>
+          </p:cNvCxnSpPr>
+          <p:nvPr/>
+        </p:nvCxnSpPr>
+        <p:spPr>
+          <a:xfrm>
+            <a:off x="2370666" y="3341133"/>
+            <a:ext cx="187597" cy="171352"/>
+          </a:xfrm>
+          <a:prstGeom prst="straightConnector1">
+            <a:avLst/>
+          </a:prstGeom>
+          <a:ln>
+            <a:tailEnd type="triangle"/>
+          </a:ln>
+        </p:spPr>
+        <p:style>
+          <a:lnRef idx="1">
+            <a:schemeClr val="accent2"/>
+          </a:lnRef>
+          <a:fillRef idx="0">
+            <a:schemeClr val="accent2"/>
+          </a:fillRef>
+          <a:effectRef idx="0">
+            <a:schemeClr val="accent2"/>
+          </a:effectRef>
+          <a:fontRef idx="minor">
+            <a:schemeClr val="tx1"/>
+          </a:fontRef>
+        </p:style>
+      </p:cxnSp>
+      <p:sp>
+        <p:nvSpPr>
+          <p:cNvPr id="37" name="TextBox 36">
+            <a:extLst>
+              <a:ext uri="{FF2B5EF4-FFF2-40B4-BE49-F238E27FC236}">
+                <a16:creationId xmlns:a16="http://schemas.microsoft.com/office/drawing/2014/main" id="{DE65204F-1F4C-A2FA-1DE2-DF607F268334}"/>
               </a:ext>
             </a:extLst>
           </p:cNvPr>
@@ -3994,18 +4059,13 @@
         </p:nvSpPr>
         <p:spPr>
           <a:xfrm>
-            <a:off x="4975905" y="8810131"/>
-            <a:ext cx="1741990" cy="553998"/>
+            <a:off x="764493" y="4678483"/>
+            <a:ext cx="1340935" cy="507831"/>
           </a:xfrm>
           <a:prstGeom prst="rect">
             <a:avLst/>
           </a:prstGeom>
           <a:noFill/>
-          <a:ln>
-            <a:solidFill>
-              <a:srgbClr val="FF0000"/>
-            </a:solidFill>
-          </a:ln>
         </p:spPr>
         <p:txBody>
           <a:bodyPr wrap="square" rtlCol="0">
@@ -4013,19 +4073,173 @@
           </a:bodyPr>
           <a:lstStyle/>
           <a:p>
-            <a:pPr algn="ctr"/>
-            <a:r>
-              <a:rPr lang="en-GB" sz="1000" b="1" dirty="0"/>
-              <a:t>Example definition files and  </a:t>
-            </a:r>
-          </a:p>
-          <a:p>
-            <a:pPr algn="ctr"/>
-            <a:r>
-              <a:rPr lang="en-GB" sz="1000" b="1" dirty="0"/>
-              <a:t>corresponding circuits can be found on the next page</a:t>
-            </a:r>
-            <a:endParaRPr lang="en-GB" sz="700" dirty="0"/>
+            <a:r>
+              <a:rPr lang="en-GB" sz="900" b="1" dirty="0">
+                <a:solidFill>
+                  <a:schemeClr val="accent2">
+                    <a:lumMod val="75000"/>
+                  </a:schemeClr>
+                </a:solidFill>
+              </a:rPr>
+              <a:t>Maintenance connections</a:t>
+            </a:r>
+          </a:p>
+          <a:p>
+            <a:r>
+              <a:rPr lang="en-GB" sz="900" b="1" dirty="0">
+                <a:solidFill>
+                  <a:schemeClr val="accent2">
+                    <a:lumMod val="75000"/>
+                  </a:schemeClr>
+                </a:solidFill>
+              </a:rPr>
+              <a:t>feature</a:t>
+            </a:r>
+            <a:endParaRPr lang="en-GB" sz="1400" dirty="0">
+              <a:solidFill>
+                <a:schemeClr val="accent2">
+                  <a:lumMod val="75000"/>
+                </a:schemeClr>
+              </a:solidFill>
+            </a:endParaRPr>
+          </a:p>
+        </p:txBody>
+      </p:sp>
+      <p:sp>
+        <p:nvSpPr>
+          <p:cNvPr id="38" name="TextBox 37">
+            <a:extLst>
+              <a:ext uri="{FF2B5EF4-FFF2-40B4-BE49-F238E27FC236}">
+                <a16:creationId xmlns:a16="http://schemas.microsoft.com/office/drawing/2014/main" id="{BD74CACD-AA75-475B-30F4-D83768552F42}"/>
+              </a:ext>
+            </a:extLst>
+          </p:cNvPr>
+          <p:cNvSpPr txBox="1"/>
+          <p:nvPr/>
+        </p:nvSpPr>
+        <p:spPr>
+          <a:xfrm>
+            <a:off x="2797422" y="8257878"/>
+            <a:ext cx="3472479" cy="1754326"/>
+          </a:xfrm>
+          <a:prstGeom prst="rect">
+            <a:avLst/>
+          </a:prstGeom>
+          <a:noFill/>
+        </p:spPr>
+        <p:txBody>
+          <a:bodyPr wrap="square" rtlCol="0">
+            <a:spAutoFit/>
+          </a:bodyPr>
+          <a:lstStyle/>
+          <a:p>
+            <a:r>
+              <a:rPr lang="en-GB" sz="1200" b="1" dirty="0"/>
+              <a:t>Extra Connection Feature:</a:t>
+            </a:r>
+          </a:p>
+          <a:p>
+            <a:pPr marL="171450" indent="-171450">
+              <a:buFont typeface="Arial" panose="020B0604020202020204" pitchFamily="34" charset="0"/>
+              <a:buChar char="•"/>
+            </a:pPr>
+            <a:r>
+              <a:rPr lang="en-GB" sz="1200" b="1" dirty="0"/>
+              <a:t>During the simulation, extra connections can be made and exist connections can be removed.</a:t>
+            </a:r>
+          </a:p>
+          <a:p>
+            <a:pPr marL="171450" indent="-171450">
+              <a:buFont typeface="Arial" panose="020B0604020202020204" pitchFamily="34" charset="0"/>
+              <a:buChar char="•"/>
+            </a:pPr>
+            <a:r>
+              <a:rPr lang="en-GB" sz="1200" b="1" dirty="0"/>
+              <a:t>The available device outputs and inputs are listed in the dropdown menu for you to choose</a:t>
+            </a:r>
+          </a:p>
+          <a:p>
+            <a:r>
+              <a:rPr lang="en-GB" sz="1200" b="1" dirty="0"/>
+              <a:t>     (see Figure 2)</a:t>
+            </a:r>
+          </a:p>
+          <a:p>
+            <a:endParaRPr lang="en-GB" sz="1200" b="1" dirty="0"/>
+          </a:p>
+          <a:p>
+            <a:endParaRPr lang="en-GB" sz="1200" b="1" dirty="0"/>
+          </a:p>
+          <a:p>
+            <a:endParaRPr lang="en-GB" sz="1200" dirty="0"/>
+          </a:p>
+        </p:txBody>
+      </p:sp>
+      <p:pic>
+        <p:nvPicPr>
+          <p:cNvPr id="7" name="Picture 6">
+            <a:extLst>
+              <a:ext uri="{FF2B5EF4-FFF2-40B4-BE49-F238E27FC236}">
+                <a16:creationId xmlns:a16="http://schemas.microsoft.com/office/drawing/2014/main" id="{3F41E43F-FC1B-7972-C112-CD806F4D2D3F}"/>
+              </a:ext>
+            </a:extLst>
+          </p:cNvPr>
+          <p:cNvPicPr>
+            <a:picLocks noChangeAspect="1"/>
+          </p:cNvPicPr>
+          <p:nvPr/>
+        </p:nvPicPr>
+        <p:blipFill>
+          <a:blip r:embed="rId3"/>
+          <a:stretch>
+            <a:fillRect/>
+          </a:stretch>
+        </p:blipFill>
+        <p:spPr>
+          <a:xfrm>
+            <a:off x="1052294" y="8128430"/>
+            <a:ext cx="1069937" cy="1261088"/>
+          </a:xfrm>
+          <a:prstGeom prst="rect">
+            <a:avLst/>
+          </a:prstGeom>
+        </p:spPr>
+      </p:pic>
+      <p:sp>
+        <p:nvSpPr>
+          <p:cNvPr id="39" name="TextBox 38">
+            <a:extLst>
+              <a:ext uri="{FF2B5EF4-FFF2-40B4-BE49-F238E27FC236}">
+                <a16:creationId xmlns:a16="http://schemas.microsoft.com/office/drawing/2014/main" id="{66236378-764C-017F-0953-F261D09D902E}"/>
+              </a:ext>
+            </a:extLst>
+          </p:cNvPr>
+          <p:cNvSpPr txBox="1"/>
+          <p:nvPr/>
+        </p:nvSpPr>
+        <p:spPr>
+          <a:xfrm>
+            <a:off x="527102" y="9519761"/>
+            <a:ext cx="2329777" cy="307777"/>
+          </a:xfrm>
+          <a:prstGeom prst="rect">
+            <a:avLst/>
+          </a:prstGeom>
+          <a:noFill/>
+        </p:spPr>
+        <p:txBody>
+          <a:bodyPr wrap="square" rtlCol="0">
+            <a:spAutoFit/>
+          </a:bodyPr>
+          <a:lstStyle/>
+          <a:p>
+            <a:r>
+              <a:rPr lang="en-GB" sz="900" b="1" dirty="0"/>
+              <a:t>Figure 2 Dropdown menu for connection</a:t>
+            </a:r>
+          </a:p>
+          <a:p>
+            <a:endParaRPr lang="en-GB" sz="500" dirty="0"/>
           </a:p>
         </p:txBody>
       </p:sp>
@@ -5413,16 +5627,16 @@
 <file path=customXml/itemProps1.xml><?xml version="1.0" encoding="utf-8"?>
 <ds:datastoreItem xmlns:ds="http://schemas.openxmlformats.org/officeDocument/2006/customXml" ds:itemID="{35DD8668-721F-4E41-B142-1A38E43269EB}">
   <ds:schemaRefs>
+    <ds:schemaRef ds:uri="http://purl.org/dc/elements/1.1/"/>
+    <ds:schemaRef ds:uri="http://purl.org/dc/terms/"/>
+    <ds:schemaRef ds:uri="http://purl.org/dc/dcmitype/"/>
+    <ds:schemaRef ds:uri="http://www.w3.org/XML/1998/namespace"/>
+    <ds:schemaRef ds:uri="http://schemas.openxmlformats.org/package/2006/metadata/core-properties"/>
+    <ds:schemaRef ds:uri="http://schemas.microsoft.com/office/2006/documentManagement/types"/>
+    <ds:schemaRef ds:uri="12fdb591-3096-4adf-bd49-26d0ffa1211b"/>
+    <ds:schemaRef ds:uri="http://schemas.microsoft.com/office/infopath/2007/PartnerControls"/>
+    <ds:schemaRef ds:uri="535c38fa-c53a-4bf9-892c-458c56ce39a2"/>
     <ds:schemaRef ds:uri="http://schemas.microsoft.com/office/2006/metadata/properties"/>
-    <ds:schemaRef ds:uri="http://purl.org/dc/dcmitype/"/>
-    <ds:schemaRef ds:uri="http://purl.org/dc/elements/1.1/"/>
-    <ds:schemaRef ds:uri="535c38fa-c53a-4bf9-892c-458c56ce39a2"/>
-    <ds:schemaRef ds:uri="http://schemas.openxmlformats.org/package/2006/metadata/core-properties"/>
-    <ds:schemaRef ds:uri="12fdb591-3096-4adf-bd49-26d0ffa1211b"/>
-    <ds:schemaRef ds:uri="http://schemas.microsoft.com/office/2006/documentManagement/types"/>
-    <ds:schemaRef ds:uri="http://purl.org/dc/terms/"/>
-    <ds:schemaRef ds:uri="http://schemas.microsoft.com/office/infopath/2007/PartnerControls"/>
-    <ds:schemaRef ds:uri="http://www.w3.org/XML/1998/namespace"/>
   </ds:schemaRefs>
 </ds:datastoreItem>
 </file>
